--- a/Project 1 Slides - Fox.pptx
+++ b/Project 1 Slides - Fox.pptx
@@ -20,6 +20,9 @@
     <p:sldId id="273" r:id="rId14"/>
     <p:sldId id="278" r:id="rId15"/>
     <p:sldId id="277" r:id="rId16"/>
+    <p:sldId id="279" r:id="rId17"/>
+    <p:sldId id="280" r:id="rId18"/>
+    <p:sldId id="281" r:id="rId19"/>
   </p:sldIdLst>
   <p:sldSz cx="12192000" cy="6858000"/>
   <p:notesSz cx="6858000" cy="9144000"/>
@@ -129,7 +132,7 @@
 <file path=ppt/revisionInfo.xml><?xml version="1.0" encoding="utf-8"?>
 <p1510:revInfo xmlns:a="http://schemas.openxmlformats.org/drawingml/2006/main" xmlns:r="http://schemas.openxmlformats.org/officeDocument/2006/relationships" xmlns:p1510="http://schemas.microsoft.com/office/powerpoint/2015/10/main">
   <p1510:revLst>
-    <p1510:client id="{8E8D590E-DE3B-41FC-A4F0-7EA4720AC8B7}" v="180" dt="2024-08-11T18:52:25.596"/>
+    <p1510:client id="{8E8D590E-DE3B-41FC-A4F0-7EA4720AC8B7}" v="227" dt="2024-08-11T20:27:00.423"/>
   </p1510:revLst>
 </p1510:revInfo>
 </file>
@@ -336,7 +339,7 @@
   <pc:docChgLst>
     <pc:chgData name="Molly Fox" userId="d0c73aa7127c4df8" providerId="LiveId" clId="{8E8D590E-DE3B-41FC-A4F0-7EA4720AC8B7}"/>
     <pc:docChg chg="undo redo custSel addSld delSld modSld sldOrd">
-      <pc:chgData name="Molly Fox" userId="d0c73aa7127c4df8" providerId="LiveId" clId="{8E8D590E-DE3B-41FC-A4F0-7EA4720AC8B7}" dt="2024-08-11T18:55:10.730" v="3190" actId="20577"/>
+      <pc:chgData name="Molly Fox" userId="d0c73aa7127c4df8" providerId="LiveId" clId="{8E8D590E-DE3B-41FC-A4F0-7EA4720AC8B7}" dt="2024-08-11T20:27:00.423" v="3368"/>
       <pc:docMkLst>
         <pc:docMk/>
       </pc:docMkLst>
@@ -627,13 +630,13 @@
         </pc:spChg>
       </pc:sldChg>
       <pc:sldChg chg="modSp new mod">
-        <pc:chgData name="Molly Fox" userId="d0c73aa7127c4df8" providerId="LiveId" clId="{8E8D590E-DE3B-41FC-A4F0-7EA4720AC8B7}" dt="2024-08-11T18:00:21.680" v="1800" actId="11"/>
+        <pc:chgData name="Molly Fox" userId="d0c73aa7127c4df8" providerId="LiveId" clId="{8E8D590E-DE3B-41FC-A4F0-7EA4720AC8B7}" dt="2024-08-11T20:21:07.179" v="3230" actId="1035"/>
         <pc:sldMkLst>
           <pc:docMk/>
           <pc:sldMk cId="254239340" sldId="267"/>
         </pc:sldMkLst>
         <pc:spChg chg="mod">
-          <ac:chgData name="Molly Fox" userId="d0c73aa7127c4df8" providerId="LiveId" clId="{8E8D590E-DE3B-41FC-A4F0-7EA4720AC8B7}" dt="2024-08-11T17:59:40.862" v="1757" actId="14100"/>
+          <ac:chgData name="Molly Fox" userId="d0c73aa7127c4df8" providerId="LiveId" clId="{8E8D590E-DE3B-41FC-A4F0-7EA4720AC8B7}" dt="2024-08-11T20:20:57.283" v="3219" actId="27636"/>
           <ac:spMkLst>
             <pc:docMk/>
             <pc:sldMk cId="254239340" sldId="267"/>
@@ -641,7 +644,7 @@
           </ac:spMkLst>
         </pc:spChg>
         <pc:spChg chg="mod">
-          <ac:chgData name="Molly Fox" userId="d0c73aa7127c4df8" providerId="LiveId" clId="{8E8D590E-DE3B-41FC-A4F0-7EA4720AC8B7}" dt="2024-08-11T18:00:21.680" v="1800" actId="11"/>
+          <ac:chgData name="Molly Fox" userId="d0c73aa7127c4df8" providerId="LiveId" clId="{8E8D590E-DE3B-41FC-A4F0-7EA4720AC8B7}" dt="2024-08-11T20:21:07.179" v="3230" actId="1035"/>
           <ac:spMkLst>
             <pc:docMk/>
             <pc:sldMk cId="254239340" sldId="267"/>
@@ -717,7 +720,7 @@
         </pc:sldMkLst>
       </pc:sldChg>
       <pc:sldChg chg="addSp delSp modSp new mod">
-        <pc:chgData name="Molly Fox" userId="d0c73aa7127c4df8" providerId="LiveId" clId="{8E8D590E-DE3B-41FC-A4F0-7EA4720AC8B7}" dt="2024-08-11T18:55:00.575" v="3174" actId="20577"/>
+        <pc:chgData name="Molly Fox" userId="d0c73aa7127c4df8" providerId="LiveId" clId="{8E8D590E-DE3B-41FC-A4F0-7EA4720AC8B7}" dt="2024-08-11T20:25:56.470" v="3343" actId="1035"/>
         <pc:sldMkLst>
           <pc:docMk/>
           <pc:sldMk cId="4022044734" sldId="273"/>
@@ -819,6 +822,62 @@
           </ac:graphicFrameMkLst>
         </pc:graphicFrameChg>
         <pc:picChg chg="add del mod">
+          <ac:chgData name="Molly Fox" userId="d0c73aa7127c4df8" providerId="LiveId" clId="{8E8D590E-DE3B-41FC-A4F0-7EA4720AC8B7}" dt="2024-08-11T20:21:31.531" v="3234" actId="21"/>
+          <ac:picMkLst>
+            <pc:docMk/>
+            <pc:sldMk cId="4022044734" sldId="273"/>
+            <ac:picMk id="4" creationId="{4D8C5627-1B6A-DD0F-4015-9ED78361295F}"/>
+          </ac:picMkLst>
+        </pc:picChg>
+        <pc:picChg chg="add mod">
+          <ac:chgData name="Molly Fox" userId="d0c73aa7127c4df8" providerId="LiveId" clId="{8E8D590E-DE3B-41FC-A4F0-7EA4720AC8B7}" dt="2024-08-11T20:21:32.544" v="3235"/>
+          <ac:picMkLst>
+            <pc:docMk/>
+            <pc:sldMk cId="4022044734" sldId="273"/>
+            <ac:picMk id="5" creationId="{4D8C5627-1B6A-DD0F-4015-9ED78361295F}"/>
+          </ac:picMkLst>
+        </pc:picChg>
+        <pc:picChg chg="add del mod">
+          <ac:chgData name="Molly Fox" userId="d0c73aa7127c4df8" providerId="LiveId" clId="{8E8D590E-DE3B-41FC-A4F0-7EA4720AC8B7}" dt="2024-08-11T20:21:48.781" v="3240" actId="21"/>
+          <ac:picMkLst>
+            <pc:docMk/>
+            <pc:sldMk cId="4022044734" sldId="273"/>
+            <ac:picMk id="6" creationId="{9E46D400-5CF0-C71E-2620-584F2AF1E03E}"/>
+          </ac:picMkLst>
+        </pc:picChg>
+        <pc:picChg chg="add mod">
+          <ac:chgData name="Molly Fox" userId="d0c73aa7127c4df8" providerId="LiveId" clId="{8E8D590E-DE3B-41FC-A4F0-7EA4720AC8B7}" dt="2024-08-11T20:21:51.099" v="3242"/>
+          <ac:picMkLst>
+            <pc:docMk/>
+            <pc:sldMk cId="4022044734" sldId="273"/>
+            <ac:picMk id="7" creationId="{9E46D400-5CF0-C71E-2620-584F2AF1E03E}"/>
+          </ac:picMkLst>
+        </pc:picChg>
+        <pc:picChg chg="add del mod">
+          <ac:chgData name="Molly Fox" userId="d0c73aa7127c4df8" providerId="LiveId" clId="{8E8D590E-DE3B-41FC-A4F0-7EA4720AC8B7}" dt="2024-08-11T20:22:00.843" v="3246" actId="21"/>
+          <ac:picMkLst>
+            <pc:docMk/>
+            <pc:sldMk cId="4022044734" sldId="273"/>
+            <ac:picMk id="9" creationId="{E5E735FD-78F0-68D4-F789-C8E50C4267AA}"/>
+          </ac:picMkLst>
+        </pc:picChg>
+        <pc:picChg chg="add mod">
+          <ac:chgData name="Molly Fox" userId="d0c73aa7127c4df8" providerId="LiveId" clId="{8E8D590E-DE3B-41FC-A4F0-7EA4720AC8B7}" dt="2024-08-11T20:22:01.406" v="3247"/>
+          <ac:picMkLst>
+            <pc:docMk/>
+            <pc:sldMk cId="4022044734" sldId="273"/>
+            <ac:picMk id="10" creationId="{E5E735FD-78F0-68D4-F789-C8E50C4267AA}"/>
+          </ac:picMkLst>
+        </pc:picChg>
+        <pc:picChg chg="add del mod modCrop">
+          <ac:chgData name="Molly Fox" userId="d0c73aa7127c4df8" providerId="LiveId" clId="{8E8D590E-DE3B-41FC-A4F0-7EA4720AC8B7}" dt="2024-08-11T20:22:26.836" v="3256" actId="21"/>
+          <ac:picMkLst>
+            <pc:docMk/>
+            <pc:sldMk cId="4022044734" sldId="273"/>
+            <ac:picMk id="11" creationId="{DF9B91DA-24E2-5A2A-6098-21DF4BB3092D}"/>
+          </ac:picMkLst>
+        </pc:picChg>
+        <pc:picChg chg="add del mod">
           <ac:chgData name="Molly Fox" userId="d0c73aa7127c4df8" providerId="LiveId" clId="{8E8D590E-DE3B-41FC-A4F0-7EA4720AC8B7}" dt="2024-08-11T18:22:16.154" v="2163" actId="478"/>
           <ac:picMkLst>
             <pc:docMk/>
@@ -826,6 +885,14 @@
             <ac:picMk id="12" creationId="{2470F750-206F-1A9E-A843-083EDD4EC57B}"/>
           </ac:picMkLst>
         </pc:picChg>
+        <pc:picChg chg="add mod">
+          <ac:chgData name="Molly Fox" userId="d0c73aa7127c4df8" providerId="LiveId" clId="{8E8D590E-DE3B-41FC-A4F0-7EA4720AC8B7}" dt="2024-08-11T20:25:56.470" v="3343" actId="1035"/>
+          <ac:picMkLst>
+            <pc:docMk/>
+            <pc:sldMk cId="4022044734" sldId="273"/>
+            <ac:picMk id="12" creationId="{DF9B91DA-24E2-5A2A-6098-21DF4BB3092D}"/>
+          </ac:picMkLst>
+        </pc:picChg>
         <pc:picChg chg="add del mod">
           <ac:chgData name="Molly Fox" userId="d0c73aa7127c4df8" providerId="LiveId" clId="{8E8D590E-DE3B-41FC-A4F0-7EA4720AC8B7}" dt="2024-08-11T18:23:00.186" v="2167" actId="21"/>
           <ac:picMkLst>
@@ -874,8 +941,8 @@
             <ac:picMk id="24" creationId="{2A8D547D-C892-6829-F089-84DAE48D39B4}"/>
           </ac:picMkLst>
         </pc:picChg>
-        <pc:picChg chg="add mod">
-          <ac:chgData name="Molly Fox" userId="d0c73aa7127c4df8" providerId="LiveId" clId="{8E8D590E-DE3B-41FC-A4F0-7EA4720AC8B7}" dt="2024-08-11T18:44:09.456" v="2869" actId="1076"/>
+        <pc:picChg chg="add del mod">
+          <ac:chgData name="Molly Fox" userId="d0c73aa7127c4df8" providerId="LiveId" clId="{8E8D590E-DE3B-41FC-A4F0-7EA4720AC8B7}" dt="2024-08-11T20:21:50.634" v="3241" actId="478"/>
           <ac:picMkLst>
             <pc:docMk/>
             <pc:sldMk cId="4022044734" sldId="273"/>
@@ -890,8 +957,8 @@
             <ac:picMk id="26" creationId="{99C74BC4-BC7A-7634-0A29-F762179E30CB}"/>
           </ac:picMkLst>
         </pc:picChg>
-        <pc:picChg chg="add mod">
-          <ac:chgData name="Molly Fox" userId="d0c73aa7127c4df8" providerId="LiveId" clId="{8E8D590E-DE3B-41FC-A4F0-7EA4720AC8B7}" dt="2024-08-11T18:44:22.825" v="2913" actId="1037"/>
+        <pc:picChg chg="add del mod">
+          <ac:chgData name="Molly Fox" userId="d0c73aa7127c4df8" providerId="LiveId" clId="{8E8D590E-DE3B-41FC-A4F0-7EA4720AC8B7}" dt="2024-08-11T20:22:28.023" v="3257" actId="478"/>
           <ac:picMkLst>
             <pc:docMk/>
             <pc:sldMk cId="4022044734" sldId="273"/>
@@ -1009,7 +1076,7 @@
         </pc:picChg>
       </pc:sldChg>
       <pc:sldChg chg="addSp delSp modSp add mod ord">
-        <pc:chgData name="Molly Fox" userId="d0c73aa7127c4df8" providerId="LiveId" clId="{8E8D590E-DE3B-41FC-A4F0-7EA4720AC8B7}" dt="2024-08-11T18:55:10.730" v="3190" actId="20577"/>
+        <pc:chgData name="Molly Fox" userId="d0c73aa7127c4df8" providerId="LiveId" clId="{8E8D590E-DE3B-41FC-A4F0-7EA4720AC8B7}" dt="2024-08-11T20:26:01.094" v="3349" actId="1036"/>
         <pc:sldMkLst>
           <pc:docMk/>
           <pc:sldMk cId="2207563824" sldId="277"/>
@@ -1046,6 +1113,22 @@
             <ac:picMk id="4" creationId="{3BD61C57-7DC8-754F-52D4-91C8A2192A39}"/>
           </ac:picMkLst>
         </pc:picChg>
+        <pc:picChg chg="add del mod">
+          <ac:chgData name="Molly Fox" userId="d0c73aa7127c4df8" providerId="LiveId" clId="{8E8D590E-DE3B-41FC-A4F0-7EA4720AC8B7}" dt="2024-08-11T20:23:52.531" v="3290" actId="21"/>
+          <ac:picMkLst>
+            <pc:docMk/>
+            <pc:sldMk cId="2207563824" sldId="277"/>
+            <ac:picMk id="4" creationId="{C5A013F9-1776-FE03-6BC5-2C50217A7556}"/>
+          </ac:picMkLst>
+        </pc:picChg>
+        <pc:picChg chg="add del mod">
+          <ac:chgData name="Molly Fox" userId="d0c73aa7127c4df8" providerId="LiveId" clId="{8E8D590E-DE3B-41FC-A4F0-7EA4720AC8B7}" dt="2024-08-11T20:23:56.981" v="3293" actId="21"/>
+          <ac:picMkLst>
+            <pc:docMk/>
+            <pc:sldMk cId="2207563824" sldId="277"/>
+            <ac:picMk id="5" creationId="{C5A013F9-1776-FE03-6BC5-2C50217A7556}"/>
+          </ac:picMkLst>
+        </pc:picChg>
         <pc:picChg chg="add mod">
           <ac:chgData name="Molly Fox" userId="d0c73aa7127c4df8" providerId="LiveId" clId="{8E8D590E-DE3B-41FC-A4F0-7EA4720AC8B7}" dt="2024-08-11T18:44:44.481" v="2916"/>
           <ac:picMkLst>
@@ -1063,6 +1146,14 @@
           </ac:picMkLst>
         </pc:picChg>
         <pc:picChg chg="add mod">
+          <ac:chgData name="Molly Fox" userId="d0c73aa7127c4df8" providerId="LiveId" clId="{8E8D590E-DE3B-41FC-A4F0-7EA4720AC8B7}" dt="2024-08-11T20:23:57.397" v="3294"/>
+          <ac:picMkLst>
+            <pc:docMk/>
+            <pc:sldMk cId="2207563824" sldId="277"/>
+            <ac:picMk id="6" creationId="{C5A013F9-1776-FE03-6BC5-2C50217A7556}"/>
+          </ac:picMkLst>
+        </pc:picChg>
+        <pc:picChg chg="add mod">
           <ac:chgData name="Molly Fox" userId="d0c73aa7127c4df8" providerId="LiveId" clId="{8E8D590E-DE3B-41FC-A4F0-7EA4720AC8B7}" dt="2024-08-11T18:48:03.537" v="2967"/>
           <ac:picMkLst>
             <pc:docMk/>
@@ -1071,6 +1162,14 @@
           </ac:picMkLst>
         </pc:picChg>
         <pc:picChg chg="add del mod">
+          <ac:chgData name="Molly Fox" userId="d0c73aa7127c4df8" providerId="LiveId" clId="{8E8D590E-DE3B-41FC-A4F0-7EA4720AC8B7}" dt="2024-08-11T20:24:07.160" v="3298" actId="21"/>
+          <ac:picMkLst>
+            <pc:docMk/>
+            <pc:sldMk cId="2207563824" sldId="277"/>
+            <ac:picMk id="7" creationId="{9175D602-EB27-4734-E7A0-15A680504025}"/>
+          </ac:picMkLst>
+        </pc:picChg>
+        <pc:picChg chg="add del mod">
           <ac:chgData name="Molly Fox" userId="d0c73aa7127c4df8" providerId="LiveId" clId="{8E8D590E-DE3B-41FC-A4F0-7EA4720AC8B7}" dt="2024-08-11T18:48:33.619" v="2972" actId="21"/>
           <ac:picMkLst>
             <pc:docMk/>
@@ -1079,7 +1178,15 @@
           </ac:picMkLst>
         </pc:picChg>
         <pc:picChg chg="add mod">
-          <ac:chgData name="Molly Fox" userId="d0c73aa7127c4df8" providerId="LiveId" clId="{8E8D590E-DE3B-41FC-A4F0-7EA4720AC8B7}" dt="2024-08-11T18:51:53.994" v="3051" actId="1076"/>
+          <ac:chgData name="Molly Fox" userId="d0c73aa7127c4df8" providerId="LiveId" clId="{8E8D590E-DE3B-41FC-A4F0-7EA4720AC8B7}" dt="2024-08-11T20:24:08.995" v="3300"/>
+          <ac:picMkLst>
+            <pc:docMk/>
+            <pc:sldMk cId="2207563824" sldId="277"/>
+            <ac:picMk id="8" creationId="{9175D602-EB27-4734-E7A0-15A680504025}"/>
+          </ac:picMkLst>
+        </pc:picChg>
+        <pc:picChg chg="add del mod">
+          <ac:chgData name="Molly Fox" userId="d0c73aa7127c4df8" providerId="LiveId" clId="{8E8D590E-DE3B-41FC-A4F0-7EA4720AC8B7}" dt="2024-08-11T20:24:08.607" v="3299" actId="478"/>
           <ac:picMkLst>
             <pc:docMk/>
             <pc:sldMk cId="2207563824" sldId="277"/>
@@ -1087,6 +1194,14 @@
           </ac:picMkLst>
         </pc:picChg>
         <pc:picChg chg="add del mod">
+          <ac:chgData name="Molly Fox" userId="d0c73aa7127c4df8" providerId="LiveId" clId="{8E8D590E-DE3B-41FC-A4F0-7EA4720AC8B7}" dt="2024-08-11T20:24:13.907" v="3304" actId="21"/>
+          <ac:picMkLst>
+            <pc:docMk/>
+            <pc:sldMk cId="2207563824" sldId="277"/>
+            <ac:picMk id="11" creationId="{694697E7-DF82-21FA-E4F4-62154AAE41F8}"/>
+          </ac:picMkLst>
+        </pc:picChg>
+        <pc:picChg chg="add del mod">
           <ac:chgData name="Molly Fox" userId="d0c73aa7127c4df8" providerId="LiveId" clId="{8E8D590E-DE3B-41FC-A4F0-7EA4720AC8B7}" dt="2024-08-11T18:50:44.600" v="3012" actId="21"/>
           <ac:picMkLst>
             <pc:docMk/>
@@ -1095,6 +1210,14 @@
           </ac:picMkLst>
         </pc:picChg>
         <pc:picChg chg="add mod">
+          <ac:chgData name="Molly Fox" userId="d0c73aa7127c4df8" providerId="LiveId" clId="{8E8D590E-DE3B-41FC-A4F0-7EA4720AC8B7}" dt="2024-08-11T20:24:14.284" v="3305"/>
+          <ac:picMkLst>
+            <pc:docMk/>
+            <pc:sldMk cId="2207563824" sldId="277"/>
+            <ac:picMk id="12" creationId="{694697E7-DF82-21FA-E4F4-62154AAE41F8}"/>
+          </ac:picMkLst>
+        </pc:picChg>
+        <pc:picChg chg="add mod">
           <ac:chgData name="Molly Fox" userId="d0c73aa7127c4df8" providerId="LiveId" clId="{8E8D590E-DE3B-41FC-A4F0-7EA4720AC8B7}" dt="2024-08-11T18:50:45.063" v="3013"/>
           <ac:picMkLst>
             <pc:docMk/>
@@ -1110,14 +1233,30 @@
             <ac:picMk id="13" creationId="{4EC6DB2B-72ED-71D5-EBCE-D53F5CD80A86}"/>
           </ac:picMkLst>
         </pc:picChg>
-        <pc:picChg chg="add mod">
-          <ac:chgData name="Molly Fox" userId="d0c73aa7127c4df8" providerId="LiveId" clId="{8E8D590E-DE3B-41FC-A4F0-7EA4720AC8B7}" dt="2024-08-11T18:52:25.596" v="3057"/>
+        <pc:picChg chg="add del mod modCrop">
+          <ac:chgData name="Molly Fox" userId="d0c73aa7127c4df8" providerId="LiveId" clId="{8E8D590E-DE3B-41FC-A4F0-7EA4720AC8B7}" dt="2024-08-11T20:24:35.819" v="3313" actId="21"/>
+          <ac:picMkLst>
+            <pc:docMk/>
+            <pc:sldMk cId="2207563824" sldId="277"/>
+            <ac:picMk id="13" creationId="{96405A70-6F25-FF3D-A705-1AEC3540FD2C}"/>
+          </ac:picMkLst>
+        </pc:picChg>
+        <pc:picChg chg="add del mod">
+          <ac:chgData name="Molly Fox" userId="d0c73aa7127c4df8" providerId="LiveId" clId="{8E8D590E-DE3B-41FC-A4F0-7EA4720AC8B7}" dt="2024-08-11T20:24:37.051" v="3314" actId="478"/>
           <ac:picMkLst>
             <pc:docMk/>
             <pc:sldMk cId="2207563824" sldId="277"/>
             <ac:picMk id="14" creationId="{4EC6DB2B-72ED-71D5-EBCE-D53F5CD80A86}"/>
           </ac:picMkLst>
         </pc:picChg>
+        <pc:picChg chg="add mod">
+          <ac:chgData name="Molly Fox" userId="d0c73aa7127c4df8" providerId="LiveId" clId="{8E8D590E-DE3B-41FC-A4F0-7EA4720AC8B7}" dt="2024-08-11T20:26:01.094" v="3349" actId="1036"/>
+          <ac:picMkLst>
+            <pc:docMk/>
+            <pc:sldMk cId="2207563824" sldId="277"/>
+            <ac:picMk id="15" creationId="{96405A70-6F25-FF3D-A705-1AEC3540FD2C}"/>
+          </ac:picMkLst>
+        </pc:picChg>
         <pc:picChg chg="del">
           <ac:chgData name="Molly Fox" userId="d0c73aa7127c4df8" providerId="LiveId" clId="{8E8D590E-DE3B-41FC-A4F0-7EA4720AC8B7}" dt="2024-08-11T18:45:03.812" v="2923" actId="478"/>
           <ac:picMkLst>
@@ -1136,7 +1275,7 @@
         </pc:picChg>
       </pc:sldChg>
       <pc:sldChg chg="addSp delSp modSp add mod">
-        <pc:chgData name="Molly Fox" userId="d0c73aa7127c4df8" providerId="LiveId" clId="{8E8D590E-DE3B-41FC-A4F0-7EA4720AC8B7}" dt="2024-08-11T18:55:05.351" v="3182" actId="20577"/>
+        <pc:chgData name="Molly Fox" userId="d0c73aa7127c4df8" providerId="LiveId" clId="{8E8D590E-DE3B-41FC-A4F0-7EA4720AC8B7}" dt="2024-08-11T20:25:49.253" v="3339" actId="1035"/>
         <pc:sldMkLst>
           <pc:docMk/>
           <pc:sldMk cId="602780004" sldId="278"/>
@@ -1165,6 +1304,14 @@
             <ac:picMk id="4" creationId="{4AAD0AC5-A231-68AF-84EF-0A685F86FE5E}"/>
           </ac:picMkLst>
         </pc:picChg>
+        <pc:picChg chg="add del mod">
+          <ac:chgData name="Molly Fox" userId="d0c73aa7127c4df8" providerId="LiveId" clId="{8E8D590E-DE3B-41FC-A4F0-7EA4720AC8B7}" dt="2024-08-11T20:22:46.253" v="3262" actId="21"/>
+          <ac:picMkLst>
+            <pc:docMk/>
+            <pc:sldMk cId="602780004" sldId="278"/>
+            <ac:picMk id="4" creationId="{F71B4293-152C-5FCC-780E-ECBC49A14690}"/>
+          </ac:picMkLst>
+        </pc:picChg>
         <pc:picChg chg="add mod">
           <ac:chgData name="Molly Fox" userId="d0c73aa7127c4df8" providerId="LiveId" clId="{8E8D590E-DE3B-41FC-A4F0-7EA4720AC8B7}" dt="2024-08-11T18:48:55.680" v="2980"/>
           <ac:picMkLst>
@@ -1173,6 +1320,30 @@
             <ac:picMk id="5" creationId="{4AAD0AC5-A231-68AF-84EF-0A685F86FE5E}"/>
           </ac:picMkLst>
         </pc:picChg>
+        <pc:picChg chg="add mod">
+          <ac:chgData name="Molly Fox" userId="d0c73aa7127c4df8" providerId="LiveId" clId="{8E8D590E-DE3B-41FC-A4F0-7EA4720AC8B7}" dt="2024-08-11T20:22:46.827" v="3263"/>
+          <ac:picMkLst>
+            <pc:docMk/>
+            <pc:sldMk cId="602780004" sldId="278"/>
+            <ac:picMk id="5" creationId="{F71B4293-152C-5FCC-780E-ECBC49A14690}"/>
+          </ac:picMkLst>
+        </pc:picChg>
+        <pc:picChg chg="del">
+          <ac:chgData name="Molly Fox" userId="d0c73aa7127c4df8" providerId="LiveId" clId="{8E8D590E-DE3B-41FC-A4F0-7EA4720AC8B7}" dt="2024-08-11T20:22:59.182" v="3268" actId="478"/>
+          <ac:picMkLst>
+            <pc:docMk/>
+            <pc:sldMk cId="602780004" sldId="278"/>
+            <ac:picMk id="6" creationId="{3BD61C57-7DC8-754F-52D4-91C8A2192A39}"/>
+          </ac:picMkLst>
+        </pc:picChg>
+        <pc:picChg chg="add del mod">
+          <ac:chgData name="Molly Fox" userId="d0c73aa7127c4df8" providerId="LiveId" clId="{8E8D590E-DE3B-41FC-A4F0-7EA4720AC8B7}" dt="2024-08-11T20:22:57.896" v="3267" actId="21"/>
+          <ac:picMkLst>
+            <pc:docMk/>
+            <pc:sldMk cId="602780004" sldId="278"/>
+            <ac:picMk id="7" creationId="{86C77B2D-F21D-F898-5E2A-BD0BD20E5F31}"/>
+          </ac:picMkLst>
+        </pc:picChg>
         <pc:picChg chg="add del mod modCrop">
           <ac:chgData name="Molly Fox" userId="d0c73aa7127c4df8" providerId="LiveId" clId="{8E8D590E-DE3B-41FC-A4F0-7EA4720AC8B7}" dt="2024-08-11T18:50:11.291" v="3005" actId="21"/>
           <ac:picMkLst>
@@ -1181,20 +1352,217 @@
             <ac:picMk id="7" creationId="{BAC87844-9266-32E7-A73D-5179CCA52C1A}"/>
           </ac:picMkLst>
         </pc:picChg>
-        <pc:picChg chg="add mod">
-          <ac:chgData name="Molly Fox" userId="d0c73aa7127c4df8" providerId="LiveId" clId="{8E8D590E-DE3B-41FC-A4F0-7EA4720AC8B7}" dt="2024-08-11T18:50:12.935" v="3007"/>
+        <pc:picChg chg="add del mod">
+          <ac:chgData name="Molly Fox" userId="d0c73aa7127c4df8" providerId="LiveId" clId="{8E8D590E-DE3B-41FC-A4F0-7EA4720AC8B7}" dt="2024-08-11T20:23:38.583" v="3283" actId="478"/>
           <ac:picMkLst>
             <pc:docMk/>
             <pc:sldMk cId="602780004" sldId="278"/>
             <ac:picMk id="8" creationId="{BAC87844-9266-32E7-A73D-5179CCA52C1A}"/>
           </ac:picMkLst>
         </pc:picChg>
+        <pc:picChg chg="add mod">
+          <ac:chgData name="Molly Fox" userId="d0c73aa7127c4df8" providerId="LiveId" clId="{8E8D590E-DE3B-41FC-A4F0-7EA4720AC8B7}" dt="2024-08-11T20:22:59.582" v="3269"/>
+          <ac:picMkLst>
+            <pc:docMk/>
+            <pc:sldMk cId="602780004" sldId="278"/>
+            <ac:picMk id="9" creationId="{86C77B2D-F21D-F898-5E2A-BD0BD20E5F31}"/>
+          </ac:picMkLst>
+        </pc:picChg>
+        <pc:picChg chg="add del mod">
+          <ac:chgData name="Molly Fox" userId="d0c73aa7127c4df8" providerId="LiveId" clId="{8E8D590E-DE3B-41FC-A4F0-7EA4720AC8B7}" dt="2024-08-11T20:23:08.301" v="3273" actId="21"/>
+          <ac:picMkLst>
+            <pc:docMk/>
+            <pc:sldMk cId="602780004" sldId="278"/>
+            <ac:picMk id="11" creationId="{FBA1623B-BDBC-4015-DCD9-4A7CB924DD54}"/>
+          </ac:picMkLst>
+        </pc:picChg>
+        <pc:picChg chg="add mod">
+          <ac:chgData name="Molly Fox" userId="d0c73aa7127c4df8" providerId="LiveId" clId="{8E8D590E-DE3B-41FC-A4F0-7EA4720AC8B7}" dt="2024-08-11T20:23:08.771" v="3274"/>
+          <ac:picMkLst>
+            <pc:docMk/>
+            <pc:sldMk cId="602780004" sldId="278"/>
+            <ac:picMk id="12" creationId="{FBA1623B-BDBC-4015-DCD9-4A7CB924DD54}"/>
+          </ac:picMkLst>
+        </pc:picChg>
+        <pc:picChg chg="add del mod modCrop">
+          <ac:chgData name="Molly Fox" userId="d0c73aa7127c4df8" providerId="LiveId" clId="{8E8D590E-DE3B-41FC-A4F0-7EA4720AC8B7}" dt="2024-08-11T20:23:37.361" v="3282" actId="21"/>
+          <ac:picMkLst>
+            <pc:docMk/>
+            <pc:sldMk cId="602780004" sldId="278"/>
+            <ac:picMk id="13" creationId="{AA3AAFE6-96F0-ED61-B1BA-DB3257DF9109}"/>
+          </ac:picMkLst>
+        </pc:picChg>
+        <pc:picChg chg="add mod">
+          <ac:chgData name="Molly Fox" userId="d0c73aa7127c4df8" providerId="LiveId" clId="{8E8D590E-DE3B-41FC-A4F0-7EA4720AC8B7}" dt="2024-08-11T20:25:49.253" v="3339" actId="1035"/>
+          <ac:picMkLst>
+            <pc:docMk/>
+            <pc:sldMk cId="602780004" sldId="278"/>
+            <ac:picMk id="14" creationId="{AA3AAFE6-96F0-ED61-B1BA-DB3257DF9109}"/>
+          </ac:picMkLst>
+        </pc:picChg>
         <pc:picChg chg="del">
           <ac:chgData name="Molly Fox" userId="d0c73aa7127c4df8" providerId="LiveId" clId="{8E8D590E-DE3B-41FC-A4F0-7EA4720AC8B7}" dt="2024-08-11T18:50:12.514" v="3006" actId="478"/>
           <ac:picMkLst>
             <pc:docMk/>
             <pc:sldMk cId="602780004" sldId="278"/>
             <ac:picMk id="27" creationId="{0662777D-771F-48DB-3709-09B435A870AC}"/>
+          </ac:picMkLst>
+        </pc:picChg>
+      </pc:sldChg>
+      <pc:sldChg chg="addSp delSp modSp add mod">
+        <pc:chgData name="Molly Fox" userId="d0c73aa7127c4df8" providerId="LiveId" clId="{8E8D590E-DE3B-41FC-A4F0-7EA4720AC8B7}" dt="2024-08-11T20:26:06.841" v="3355" actId="1036"/>
+        <pc:sldMkLst>
+          <pc:docMk/>
+          <pc:sldMk cId="1451928374" sldId="279"/>
+        </pc:sldMkLst>
+        <pc:picChg chg="add del mod">
+          <ac:chgData name="Molly Fox" userId="d0c73aa7127c4df8" providerId="LiveId" clId="{8E8D590E-DE3B-41FC-A4F0-7EA4720AC8B7}" dt="2024-08-11T20:24:56.044" v="3320" actId="21"/>
+          <ac:picMkLst>
+            <pc:docMk/>
+            <pc:sldMk cId="1451928374" sldId="279"/>
+            <ac:picMk id="4" creationId="{D76F56FE-25F0-234E-A06B-EBF49223F85B}"/>
+          </ac:picMkLst>
+        </pc:picChg>
+        <pc:picChg chg="add mod">
+          <ac:chgData name="Molly Fox" userId="d0c73aa7127c4df8" providerId="LiveId" clId="{8E8D590E-DE3B-41FC-A4F0-7EA4720AC8B7}" dt="2024-08-11T20:24:56.388" v="3321"/>
+          <ac:picMkLst>
+            <pc:docMk/>
+            <pc:sldMk cId="1451928374" sldId="279"/>
+            <ac:picMk id="5" creationId="{D76F56FE-25F0-234E-A06B-EBF49223F85B}"/>
+          </ac:picMkLst>
+        </pc:picChg>
+        <pc:picChg chg="add del mod">
+          <ac:chgData name="Molly Fox" userId="d0c73aa7127c4df8" providerId="LiveId" clId="{8E8D590E-DE3B-41FC-A4F0-7EA4720AC8B7}" dt="2024-08-11T20:25:04.136" v="3325" actId="21"/>
+          <ac:picMkLst>
+            <pc:docMk/>
+            <pc:sldMk cId="1451928374" sldId="279"/>
+            <ac:picMk id="6" creationId="{29CCE42A-5C1D-169C-0220-12E324EDB29D}"/>
+          </ac:picMkLst>
+        </pc:picChg>
+        <pc:picChg chg="del">
+          <ac:chgData name="Molly Fox" userId="d0c73aa7127c4df8" providerId="LiveId" clId="{8E8D590E-DE3B-41FC-A4F0-7EA4720AC8B7}" dt="2024-08-11T20:25:05.274" v="3326" actId="478"/>
+          <ac:picMkLst>
+            <pc:docMk/>
+            <pc:sldMk cId="1451928374" sldId="279"/>
+            <ac:picMk id="7" creationId="{9E46D400-5CF0-C71E-2620-584F2AF1E03E}"/>
+          </ac:picMkLst>
+        </pc:picChg>
+        <pc:picChg chg="add mod">
+          <ac:chgData name="Molly Fox" userId="d0c73aa7127c4df8" providerId="LiveId" clId="{8E8D590E-DE3B-41FC-A4F0-7EA4720AC8B7}" dt="2024-08-11T20:25:05.634" v="3327"/>
+          <ac:picMkLst>
+            <pc:docMk/>
+            <pc:sldMk cId="1451928374" sldId="279"/>
+            <ac:picMk id="8" creationId="{29CCE42A-5C1D-169C-0220-12E324EDB29D}"/>
+          </ac:picMkLst>
+        </pc:picChg>
+        <pc:picChg chg="mod">
+          <ac:chgData name="Molly Fox" userId="d0c73aa7127c4df8" providerId="LiveId" clId="{8E8D590E-DE3B-41FC-A4F0-7EA4720AC8B7}" dt="2024-08-11T20:26:06.841" v="3355" actId="1036"/>
+          <ac:picMkLst>
+            <pc:docMk/>
+            <pc:sldMk cId="1451928374" sldId="279"/>
+            <ac:picMk id="12" creationId="{DF9B91DA-24E2-5A2A-6098-21DF4BB3092D}"/>
+          </ac:picMkLst>
+        </pc:picChg>
+      </pc:sldChg>
+      <pc:sldChg chg="addSp delSp modSp add mod">
+        <pc:chgData name="Molly Fox" userId="d0c73aa7127c4df8" providerId="LiveId" clId="{8E8D590E-DE3B-41FC-A4F0-7EA4720AC8B7}" dt="2024-08-11T20:26:10.428" v="3357" actId="1035"/>
+        <pc:sldMkLst>
+          <pc:docMk/>
+          <pc:sldMk cId="929572182" sldId="280"/>
+        </pc:sldMkLst>
+        <pc:picChg chg="add del mod">
+          <ac:chgData name="Molly Fox" userId="d0c73aa7127c4df8" providerId="LiveId" clId="{8E8D590E-DE3B-41FC-A4F0-7EA4720AC8B7}" dt="2024-08-11T20:25:21.991" v="3331" actId="21"/>
+          <ac:picMkLst>
+            <pc:docMk/>
+            <pc:sldMk cId="929572182" sldId="280"/>
+            <ac:picMk id="4" creationId="{82A1946B-C38E-8E84-1540-2ECA26ED5CB8}"/>
+          </ac:picMkLst>
+        </pc:picChg>
+        <pc:picChg chg="add mod">
+          <ac:chgData name="Molly Fox" userId="d0c73aa7127c4df8" providerId="LiveId" clId="{8E8D590E-DE3B-41FC-A4F0-7EA4720AC8B7}" dt="2024-08-11T20:25:22.277" v="3332"/>
+          <ac:picMkLst>
+            <pc:docMk/>
+            <pc:sldMk cId="929572182" sldId="280"/>
+            <ac:picMk id="5" creationId="{82A1946B-C38E-8E84-1540-2ECA26ED5CB8}"/>
+          </ac:picMkLst>
+        </pc:picChg>
+        <pc:picChg chg="add del mod">
+          <ac:chgData name="Molly Fox" userId="d0c73aa7127c4df8" providerId="LiveId" clId="{8E8D590E-DE3B-41FC-A4F0-7EA4720AC8B7}" dt="2024-08-11T20:25:29.982" v="3336" actId="21"/>
+          <ac:picMkLst>
+            <pc:docMk/>
+            <pc:sldMk cId="929572182" sldId="280"/>
+            <ac:picMk id="6" creationId="{8E6C9552-B68B-20F8-47AD-6CCCD5604684}"/>
+          </ac:picMkLst>
+        </pc:picChg>
+        <pc:picChg chg="add mod">
+          <ac:chgData name="Molly Fox" userId="d0c73aa7127c4df8" providerId="LiveId" clId="{8E8D590E-DE3B-41FC-A4F0-7EA4720AC8B7}" dt="2024-08-11T20:25:31.802" v="3338"/>
+          <ac:picMkLst>
+            <pc:docMk/>
+            <pc:sldMk cId="929572182" sldId="280"/>
+            <ac:picMk id="7" creationId="{8E6C9552-B68B-20F8-47AD-6CCCD5604684}"/>
+          </ac:picMkLst>
+        </pc:picChg>
+        <pc:picChg chg="del">
+          <ac:chgData name="Molly Fox" userId="d0c73aa7127c4df8" providerId="LiveId" clId="{8E8D590E-DE3B-41FC-A4F0-7EA4720AC8B7}" dt="2024-08-11T20:25:31.375" v="3337" actId="478"/>
+          <ac:picMkLst>
+            <pc:docMk/>
+            <pc:sldMk cId="929572182" sldId="280"/>
+            <ac:picMk id="9" creationId="{86C77B2D-F21D-F898-5E2A-BD0BD20E5F31}"/>
+          </ac:picMkLst>
+        </pc:picChg>
+        <pc:picChg chg="mod">
+          <ac:chgData name="Molly Fox" userId="d0c73aa7127c4df8" providerId="LiveId" clId="{8E8D590E-DE3B-41FC-A4F0-7EA4720AC8B7}" dt="2024-08-11T20:26:10.428" v="3357" actId="1035"/>
+          <ac:picMkLst>
+            <pc:docMk/>
+            <pc:sldMk cId="929572182" sldId="280"/>
+            <ac:picMk id="14" creationId="{AA3AAFE6-96F0-ED61-B1BA-DB3257DF9109}"/>
+          </ac:picMkLst>
+        </pc:picChg>
+      </pc:sldChg>
+      <pc:sldChg chg="addSp delSp modSp add mod">
+        <pc:chgData name="Molly Fox" userId="d0c73aa7127c4df8" providerId="LiveId" clId="{8E8D590E-DE3B-41FC-A4F0-7EA4720AC8B7}" dt="2024-08-11T20:27:00.423" v="3368"/>
+        <pc:sldMkLst>
+          <pc:docMk/>
+          <pc:sldMk cId="1817907482" sldId="281"/>
+        </pc:sldMkLst>
+        <pc:picChg chg="add del mod">
+          <ac:chgData name="Molly Fox" userId="d0c73aa7127c4df8" providerId="LiveId" clId="{8E8D590E-DE3B-41FC-A4F0-7EA4720AC8B7}" dt="2024-08-11T20:26:19.836" v="3361" actId="21"/>
+          <ac:picMkLst>
+            <pc:docMk/>
+            <pc:sldMk cId="1817907482" sldId="281"/>
+            <ac:picMk id="4" creationId="{233BF0C0-BCEE-6D37-4F99-9D0E705E1AA1}"/>
+          </ac:picMkLst>
+        </pc:picChg>
+        <pc:picChg chg="add mod">
+          <ac:chgData name="Molly Fox" userId="d0c73aa7127c4df8" providerId="LiveId" clId="{8E8D590E-DE3B-41FC-A4F0-7EA4720AC8B7}" dt="2024-08-11T20:26:20.220" v="3362"/>
+          <ac:picMkLst>
+            <pc:docMk/>
+            <pc:sldMk cId="1817907482" sldId="281"/>
+            <ac:picMk id="5" creationId="{233BF0C0-BCEE-6D37-4F99-9D0E705E1AA1}"/>
+          </ac:picMkLst>
+        </pc:picChg>
+        <pc:picChg chg="add del mod">
+          <ac:chgData name="Molly Fox" userId="d0c73aa7127c4df8" providerId="LiveId" clId="{8E8D590E-DE3B-41FC-A4F0-7EA4720AC8B7}" dt="2024-08-11T20:26:57.431" v="3366" actId="21"/>
+          <ac:picMkLst>
+            <pc:docMk/>
+            <pc:sldMk cId="1817907482" sldId="281"/>
+            <ac:picMk id="6" creationId="{40FF78CD-91CF-D41D-1821-88AE6AA10DEB}"/>
+          </ac:picMkLst>
+        </pc:picChg>
+        <pc:picChg chg="add mod">
+          <ac:chgData name="Molly Fox" userId="d0c73aa7127c4df8" providerId="LiveId" clId="{8E8D590E-DE3B-41FC-A4F0-7EA4720AC8B7}" dt="2024-08-11T20:27:00.423" v="3368"/>
+          <ac:picMkLst>
+            <pc:docMk/>
+            <pc:sldMk cId="1817907482" sldId="281"/>
+            <ac:picMk id="7" creationId="{40FF78CD-91CF-D41D-1821-88AE6AA10DEB}"/>
+          </ac:picMkLst>
+        </pc:picChg>
+        <pc:picChg chg="del">
+          <ac:chgData name="Molly Fox" userId="d0c73aa7127c4df8" providerId="LiveId" clId="{8E8D590E-DE3B-41FC-A4F0-7EA4720AC8B7}" dt="2024-08-11T20:27:00.069" v="3367" actId="478"/>
+          <ac:picMkLst>
+            <pc:docMk/>
+            <pc:sldMk cId="1817907482" sldId="281"/>
+            <ac:picMk id="8" creationId="{9175D602-EB27-4734-E7A0-15A680504025}"/>
           </ac:picMkLst>
         </pc:picChg>
       </pc:sldChg>
@@ -1350,7 +1718,7 @@
           <a:p>
             <a:fld id="{D865CB24-D727-4CC3-94C1-E7095621080B}" type="datetimeFigureOut">
               <a:rPr lang="en-US" smtClean="0"/>
-              <a:t>8/10/2024</a:t>
+              <a:t>8/11/2024</a:t>
             </a:fld>
             <a:endParaRPr lang="en-US"/>
           </a:p>
@@ -1548,7 +1916,7 @@
           <a:p>
             <a:fld id="{D865CB24-D727-4CC3-94C1-E7095621080B}" type="datetimeFigureOut">
               <a:rPr lang="en-US" smtClean="0"/>
-              <a:t>8/10/2024</a:t>
+              <a:t>8/11/2024</a:t>
             </a:fld>
             <a:endParaRPr lang="en-US"/>
           </a:p>
@@ -1756,7 +2124,7 @@
           <a:p>
             <a:fld id="{D865CB24-D727-4CC3-94C1-E7095621080B}" type="datetimeFigureOut">
               <a:rPr lang="en-US" smtClean="0"/>
-              <a:t>8/10/2024</a:t>
+              <a:t>8/11/2024</a:t>
             </a:fld>
             <a:endParaRPr lang="en-US"/>
           </a:p>
@@ -1954,7 +2322,7 @@
           <a:p>
             <a:fld id="{D865CB24-D727-4CC3-94C1-E7095621080B}" type="datetimeFigureOut">
               <a:rPr lang="en-US" smtClean="0"/>
-              <a:t>8/10/2024</a:t>
+              <a:t>8/11/2024</a:t>
             </a:fld>
             <a:endParaRPr lang="en-US"/>
           </a:p>
@@ -2229,7 +2597,7 @@
           <a:p>
             <a:fld id="{D865CB24-D727-4CC3-94C1-E7095621080B}" type="datetimeFigureOut">
               <a:rPr lang="en-US" smtClean="0"/>
-              <a:t>8/10/2024</a:t>
+              <a:t>8/11/2024</a:t>
             </a:fld>
             <a:endParaRPr lang="en-US"/>
           </a:p>
@@ -2494,7 +2862,7 @@
           <a:p>
             <a:fld id="{D865CB24-D727-4CC3-94C1-E7095621080B}" type="datetimeFigureOut">
               <a:rPr lang="en-US" smtClean="0"/>
-              <a:t>8/10/2024</a:t>
+              <a:t>8/11/2024</a:t>
             </a:fld>
             <a:endParaRPr lang="en-US"/>
           </a:p>
@@ -2906,7 +3274,7 @@
           <a:p>
             <a:fld id="{D865CB24-D727-4CC3-94C1-E7095621080B}" type="datetimeFigureOut">
               <a:rPr lang="en-US" smtClean="0"/>
-              <a:t>8/10/2024</a:t>
+              <a:t>8/11/2024</a:t>
             </a:fld>
             <a:endParaRPr lang="en-US"/>
           </a:p>
@@ -3047,7 +3415,7 @@
           <a:p>
             <a:fld id="{D865CB24-D727-4CC3-94C1-E7095621080B}" type="datetimeFigureOut">
               <a:rPr lang="en-US" smtClean="0"/>
-              <a:t>8/10/2024</a:t>
+              <a:t>8/11/2024</a:t>
             </a:fld>
             <a:endParaRPr lang="en-US"/>
           </a:p>
@@ -3160,7 +3528,7 @@
           <a:p>
             <a:fld id="{D865CB24-D727-4CC3-94C1-E7095621080B}" type="datetimeFigureOut">
               <a:rPr lang="en-US" smtClean="0"/>
-              <a:t>8/10/2024</a:t>
+              <a:t>8/11/2024</a:t>
             </a:fld>
             <a:endParaRPr lang="en-US"/>
           </a:p>
@@ -3471,7 +3839,7 @@
           <a:p>
             <a:fld id="{D865CB24-D727-4CC3-94C1-E7095621080B}" type="datetimeFigureOut">
               <a:rPr lang="en-US" smtClean="0"/>
-              <a:t>8/10/2024</a:t>
+              <a:t>8/11/2024</a:t>
             </a:fld>
             <a:endParaRPr lang="en-US"/>
           </a:p>
@@ -3759,7 +4127,7 @@
           <a:p>
             <a:fld id="{D865CB24-D727-4CC3-94C1-E7095621080B}" type="datetimeFigureOut">
               <a:rPr lang="en-US" smtClean="0"/>
-              <a:t>8/10/2024</a:t>
+              <a:t>8/11/2024</a:t>
             </a:fld>
             <a:endParaRPr lang="en-US"/>
           </a:p>
@@ -4000,7 +4368,7 @@
           <a:p>
             <a:fld id="{D865CB24-D727-4CC3-94C1-E7095621080B}" type="datetimeFigureOut">
               <a:rPr lang="en-US" smtClean="0"/>
-              <a:t>8/10/2024</a:t>
+              <a:t>8/11/2024</a:t>
             </a:fld>
             <a:endParaRPr lang="en-US"/>
           </a:p>
@@ -5393,10 +5761,10 @@
       </p:sp>
       <p:pic>
         <p:nvPicPr>
-          <p:cNvPr id="25" name="Picture 24">
-            <a:extLst>
-              <a:ext uri="{FF2B5EF4-FFF2-40B4-BE49-F238E27FC236}">
-                <a16:creationId xmlns:a16="http://schemas.microsoft.com/office/drawing/2014/main" id="{06C019BD-26E0-183D-5D82-F9CA50626DFB}"/>
+          <p:cNvPr id="7" name="Picture 6">
+            <a:extLst>
+              <a:ext uri="{FF2B5EF4-FFF2-40B4-BE49-F238E27FC236}">
+                <a16:creationId xmlns:a16="http://schemas.microsoft.com/office/drawing/2014/main" id="{9E46D400-5CF0-C71E-2620-584F2AF1E03E}"/>
               </a:ext>
             </a:extLst>
           </p:cNvPr>
@@ -5413,8 +5781,8 @@
         </p:blipFill>
         <p:spPr>
           <a:xfrm>
-            <a:off x="71156" y="2154621"/>
-            <a:ext cx="7836889" cy="4703379"/>
+            <a:off x="71156" y="2154620"/>
+            <a:ext cx="7830267" cy="4703380"/>
           </a:xfrm>
           <a:prstGeom prst="rect">
             <a:avLst/>
@@ -5423,10 +5791,10 @@
       </p:pic>
       <p:pic>
         <p:nvPicPr>
-          <p:cNvPr id="27" name="Picture 26">
-            <a:extLst>
-              <a:ext uri="{FF2B5EF4-FFF2-40B4-BE49-F238E27FC236}">
-                <a16:creationId xmlns:a16="http://schemas.microsoft.com/office/drawing/2014/main" id="{0662777D-771F-48DB-3709-09B435A870AC}"/>
+          <p:cNvPr id="12" name="Picture 11">
+            <a:extLst>
+              <a:ext uri="{FF2B5EF4-FFF2-40B4-BE49-F238E27FC236}">
+                <a16:creationId xmlns:a16="http://schemas.microsoft.com/office/drawing/2014/main" id="{DF9B91DA-24E2-5A2A-6098-21DF4BB3092D}"/>
               </a:ext>
             </a:extLst>
           </p:cNvPr>
@@ -5435,16 +5803,15 @@
           </p:cNvPicPr>
           <p:nvPr/>
         </p:nvPicPr>
-        <p:blipFill>
+        <p:blipFill rotWithShape="1">
           <a:blip r:embed="rId3"/>
-          <a:stretch>
-            <a:fillRect/>
-          </a:stretch>
+          <a:srcRect l="5149" t="5618" r="7487"/>
+          <a:stretch/>
         </p:blipFill>
         <p:spPr>
           <a:xfrm>
-            <a:off x="7960597" y="2186151"/>
-            <a:ext cx="4157832" cy="3420152"/>
+            <a:off x="7937825" y="2191942"/>
+            <a:ext cx="4254175" cy="3451684"/>
           </a:xfrm>
           <a:prstGeom prst="rect">
             <a:avLst/>
@@ -5737,10 +6104,10 @@
       </p:sp>
       <p:pic>
         <p:nvPicPr>
-          <p:cNvPr id="6" name="Picture 5">
-            <a:extLst>
-              <a:ext uri="{FF2B5EF4-FFF2-40B4-BE49-F238E27FC236}">
-                <a16:creationId xmlns:a16="http://schemas.microsoft.com/office/drawing/2014/main" id="{3BD61C57-7DC8-754F-52D4-91C8A2192A39}"/>
+          <p:cNvPr id="9" name="Picture 8">
+            <a:extLst>
+              <a:ext uri="{FF2B5EF4-FFF2-40B4-BE49-F238E27FC236}">
+                <a16:creationId xmlns:a16="http://schemas.microsoft.com/office/drawing/2014/main" id="{86C77B2D-F21D-F898-5E2A-BD0BD20E5F31}"/>
               </a:ext>
             </a:extLst>
           </p:cNvPr>
@@ -5757,8 +6124,8 @@
         </p:blipFill>
         <p:spPr>
           <a:xfrm>
-            <a:off x="71156" y="2151506"/>
-            <a:ext cx="7836888" cy="4709608"/>
+            <a:off x="71156" y="2148390"/>
+            <a:ext cx="7840637" cy="4709609"/>
           </a:xfrm>
           <a:prstGeom prst="rect">
             <a:avLst/>
@@ -5767,10 +6134,10 @@
       </p:pic>
       <p:pic>
         <p:nvPicPr>
-          <p:cNvPr id="8" name="Picture 7">
-            <a:extLst>
-              <a:ext uri="{FF2B5EF4-FFF2-40B4-BE49-F238E27FC236}">
-                <a16:creationId xmlns:a16="http://schemas.microsoft.com/office/drawing/2014/main" id="{BAC87844-9266-32E7-A73D-5179CCA52C1A}"/>
+          <p:cNvPr id="14" name="Picture 13">
+            <a:extLst>
+              <a:ext uri="{FF2B5EF4-FFF2-40B4-BE49-F238E27FC236}">
+                <a16:creationId xmlns:a16="http://schemas.microsoft.com/office/drawing/2014/main" id="{AA3AAFE6-96F0-ED61-B1BA-DB3257DF9109}"/>
               </a:ext>
             </a:extLst>
           </p:cNvPr>
@@ -5781,13 +6148,13 @@
         </p:nvPicPr>
         <p:blipFill rotWithShape="1">
           <a:blip r:embed="rId3"/>
-          <a:srcRect l="3435" t="5776" r="6362"/>
+          <a:srcRect l="3554" t="5529" r="7327"/>
           <a:stretch/>
         </p:blipFill>
         <p:spPr>
           <a:xfrm>
-            <a:off x="7828648" y="2217681"/>
-            <a:ext cx="4359541" cy="3420152"/>
+            <a:off x="7877465" y="2208351"/>
+            <a:ext cx="4295873" cy="3420152"/>
           </a:xfrm>
           <a:prstGeom prst="rect">
             <a:avLst/>
@@ -6085,10 +6452,10 @@
       </p:sp>
       <p:pic>
         <p:nvPicPr>
-          <p:cNvPr id="9" name="Picture 8">
-            <a:extLst>
-              <a:ext uri="{FF2B5EF4-FFF2-40B4-BE49-F238E27FC236}">
-                <a16:creationId xmlns:a16="http://schemas.microsoft.com/office/drawing/2014/main" id="{40724CBE-A267-856F-1896-3A58B2B72063}"/>
+          <p:cNvPr id="8" name="Picture 7">
+            <a:extLst>
+              <a:ext uri="{FF2B5EF4-FFF2-40B4-BE49-F238E27FC236}">
+                <a16:creationId xmlns:a16="http://schemas.microsoft.com/office/drawing/2014/main" id="{9175D602-EB27-4734-E7A0-15A680504025}"/>
               </a:ext>
             </a:extLst>
           </p:cNvPr>
@@ -6105,8 +6472,8 @@
         </p:blipFill>
         <p:spPr>
           <a:xfrm>
-            <a:off x="63887" y="2151506"/>
-            <a:ext cx="7844157" cy="4706494"/>
+            <a:off x="63888" y="2151506"/>
+            <a:ext cx="7844156" cy="4706494"/>
           </a:xfrm>
           <a:prstGeom prst="rect">
             <a:avLst/>
@@ -6115,10 +6482,10 @@
       </p:pic>
       <p:pic>
         <p:nvPicPr>
-          <p:cNvPr id="14" name="Picture 13">
-            <a:extLst>
-              <a:ext uri="{FF2B5EF4-FFF2-40B4-BE49-F238E27FC236}">
-                <a16:creationId xmlns:a16="http://schemas.microsoft.com/office/drawing/2014/main" id="{4EC6DB2B-72ED-71D5-EBCE-D53F5CD80A86}"/>
+          <p:cNvPr id="15" name="Picture 14">
+            <a:extLst>
+              <a:ext uri="{FF2B5EF4-FFF2-40B4-BE49-F238E27FC236}">
+                <a16:creationId xmlns:a16="http://schemas.microsoft.com/office/drawing/2014/main" id="{96405A70-6F25-FF3D-A705-1AEC3540FD2C}"/>
               </a:ext>
             </a:extLst>
           </p:cNvPr>
@@ -6129,13 +6496,13 @@
         </p:nvPicPr>
         <p:blipFill rotWithShape="1">
           <a:blip r:embed="rId3"/>
-          <a:srcRect l="7817" t="6387" r="6310"/>
+          <a:srcRect l="7540" t="5529" r="7168"/>
           <a:stretch/>
         </p:blipFill>
         <p:spPr>
           <a:xfrm>
-            <a:off x="8034168" y="2202122"/>
-            <a:ext cx="4157831" cy="3404181"/>
+            <a:off x="8038919" y="2207492"/>
+            <a:ext cx="4153081" cy="3454797"/>
           </a:xfrm>
           <a:prstGeom prst="rect">
             <a:avLst/>
@@ -6146,6 +6513,1040 @@
     <p:extLst>
       <p:ext uri="{BB962C8B-B14F-4D97-AF65-F5344CB8AC3E}">
         <p14:creationId xmlns:p14="http://schemas.microsoft.com/office/powerpoint/2010/main" val="2207563824"/>
+      </p:ext>
+    </p:extLst>
+  </p:cSld>
+  <p:clrMapOvr>
+    <a:masterClrMapping/>
+  </p:clrMapOvr>
+</p:sld>
+</file>
+
+<file path=ppt/slides/slide16.xml><?xml version="1.0" encoding="utf-8"?>
+<p:sld xmlns:a="http://schemas.openxmlformats.org/drawingml/2006/main" xmlns:r="http://schemas.openxmlformats.org/officeDocument/2006/relationships" xmlns:p="http://schemas.openxmlformats.org/presentationml/2006/main">
+  <p:cSld>
+    <p:spTree>
+      <p:nvGrpSpPr>
+        <p:cNvPr id="1" name=""/>
+        <p:cNvGrpSpPr/>
+        <p:nvPr/>
+      </p:nvGrpSpPr>
+      <p:grpSpPr>
+        <a:xfrm>
+          <a:off x="0" y="0"/>
+          <a:ext cx="0" cy="0"/>
+          <a:chOff x="0" y="0"/>
+          <a:chExt cx="0" cy="0"/>
+        </a:xfrm>
+      </p:grpSpPr>
+      <p:sp>
+        <p:nvSpPr>
+          <p:cNvPr id="2" name="Title 1">
+            <a:extLst>
+              <a:ext uri="{FF2B5EF4-FFF2-40B4-BE49-F238E27FC236}">
+                <a16:creationId xmlns:a16="http://schemas.microsoft.com/office/drawing/2014/main" id="{D8542B15-EF49-F99F-D7B8-DFB474E83641}"/>
+              </a:ext>
+            </a:extLst>
+          </p:cNvPr>
+          <p:cNvSpPr>
+            <a:spLocks noGrp="1"/>
+          </p:cNvSpPr>
+          <p:nvPr>
+            <p:ph type="title"/>
+          </p:nvPr>
+        </p:nvSpPr>
+        <p:spPr>
+          <a:xfrm>
+            <a:off x="335291" y="165429"/>
+            <a:ext cx="11646502" cy="833054"/>
+          </a:xfrm>
+        </p:spPr>
+        <p:txBody>
+          <a:bodyPr/>
+          <a:lstStyle/>
+          <a:p>
+            <a:r>
+              <a:rPr lang="en-US" dirty="0"/>
+              <a:t>Topic 4: Average Precipitation Analysis</a:t>
+            </a:r>
+          </a:p>
+        </p:txBody>
+      </p:sp>
+      <p:sp>
+        <p:nvSpPr>
+          <p:cNvPr id="22" name="Content Placeholder 4">
+            <a:extLst>
+              <a:ext uri="{FF2B5EF4-FFF2-40B4-BE49-F238E27FC236}">
+                <a16:creationId xmlns:a16="http://schemas.microsoft.com/office/drawing/2014/main" id="{B7046D23-3C73-0582-EE75-77D294CA38BF}"/>
+              </a:ext>
+            </a:extLst>
+          </p:cNvPr>
+          <p:cNvSpPr txBox="1">
+            <a:spLocks/>
+          </p:cNvSpPr>
+          <p:nvPr/>
+        </p:nvSpPr>
+        <p:spPr>
+          <a:xfrm>
+            <a:off x="335291" y="998483"/>
+            <a:ext cx="11646502" cy="1156138"/>
+          </a:xfrm>
+          <a:prstGeom prst="rect">
+            <a:avLst/>
+          </a:prstGeom>
+        </p:spPr>
+        <p:txBody>
+          <a:bodyPr vert="horz" lIns="91440" tIns="45720" rIns="91440" bIns="45720" rtlCol="0" anchor="t">
+            <a:normAutofit/>
+          </a:bodyPr>
+          <a:lstStyle>
+            <a:lvl1pPr marL="0" indent="0" algn="l" defTabSz="914400" rtl="0" eaLnBrk="1" latinLnBrk="0" hangingPunct="1">
+              <a:lnSpc>
+                <a:spcPct val="90000"/>
+              </a:lnSpc>
+              <a:spcBef>
+                <a:spcPts val="1000"/>
+              </a:spcBef>
+              <a:buFont typeface="Arial" panose="020B0604020202020204" pitchFamily="34" charset="0"/>
+              <a:buNone/>
+              <a:defRPr sz="2400" b="1" kern="1200">
+                <a:solidFill>
+                  <a:schemeClr val="tx1"/>
+                </a:solidFill>
+                <a:latin typeface="+mn-lt"/>
+                <a:ea typeface="+mn-ea"/>
+                <a:cs typeface="+mn-cs"/>
+              </a:defRPr>
+            </a:lvl1pPr>
+            <a:lvl2pPr marL="457200" indent="0" algn="l" defTabSz="914400" rtl="0" eaLnBrk="1" latinLnBrk="0" hangingPunct="1">
+              <a:lnSpc>
+                <a:spcPct val="90000"/>
+              </a:lnSpc>
+              <a:spcBef>
+                <a:spcPts val="500"/>
+              </a:spcBef>
+              <a:buFont typeface="Arial" panose="020B0604020202020204" pitchFamily="34" charset="0"/>
+              <a:buNone/>
+              <a:defRPr sz="2000" b="1" kern="1200">
+                <a:solidFill>
+                  <a:schemeClr val="tx1"/>
+                </a:solidFill>
+                <a:latin typeface="+mn-lt"/>
+                <a:ea typeface="+mn-ea"/>
+                <a:cs typeface="+mn-cs"/>
+              </a:defRPr>
+            </a:lvl2pPr>
+            <a:lvl3pPr marL="914400" indent="0" algn="l" defTabSz="914400" rtl="0" eaLnBrk="1" latinLnBrk="0" hangingPunct="1">
+              <a:lnSpc>
+                <a:spcPct val="90000"/>
+              </a:lnSpc>
+              <a:spcBef>
+                <a:spcPts val="500"/>
+              </a:spcBef>
+              <a:buFont typeface="Arial" panose="020B0604020202020204" pitchFamily="34" charset="0"/>
+              <a:buNone/>
+              <a:defRPr sz="1800" b="1" kern="1200">
+                <a:solidFill>
+                  <a:schemeClr val="tx1"/>
+                </a:solidFill>
+                <a:latin typeface="+mn-lt"/>
+                <a:ea typeface="+mn-ea"/>
+                <a:cs typeface="+mn-cs"/>
+              </a:defRPr>
+            </a:lvl3pPr>
+            <a:lvl4pPr marL="1371600" indent="0" algn="l" defTabSz="914400" rtl="0" eaLnBrk="1" latinLnBrk="0" hangingPunct="1">
+              <a:lnSpc>
+                <a:spcPct val="90000"/>
+              </a:lnSpc>
+              <a:spcBef>
+                <a:spcPts val="500"/>
+              </a:spcBef>
+              <a:buFont typeface="Arial" panose="020B0604020202020204" pitchFamily="34" charset="0"/>
+              <a:buNone/>
+              <a:defRPr sz="1600" b="1" kern="1200">
+                <a:solidFill>
+                  <a:schemeClr val="tx1"/>
+                </a:solidFill>
+                <a:latin typeface="+mn-lt"/>
+                <a:ea typeface="+mn-ea"/>
+                <a:cs typeface="+mn-cs"/>
+              </a:defRPr>
+            </a:lvl4pPr>
+            <a:lvl5pPr marL="1828800" indent="0" algn="l" defTabSz="914400" rtl="0" eaLnBrk="1" latinLnBrk="0" hangingPunct="1">
+              <a:lnSpc>
+                <a:spcPct val="90000"/>
+              </a:lnSpc>
+              <a:spcBef>
+                <a:spcPts val="500"/>
+              </a:spcBef>
+              <a:buFont typeface="Arial" panose="020B0604020202020204" pitchFamily="34" charset="0"/>
+              <a:buNone/>
+              <a:defRPr sz="1600" b="1" kern="1200">
+                <a:solidFill>
+                  <a:schemeClr val="tx1"/>
+                </a:solidFill>
+                <a:latin typeface="+mn-lt"/>
+                <a:ea typeface="+mn-ea"/>
+                <a:cs typeface="+mn-cs"/>
+              </a:defRPr>
+            </a:lvl5pPr>
+            <a:lvl6pPr marL="2286000" indent="0" algn="l" defTabSz="914400" rtl="0" eaLnBrk="1" latinLnBrk="0" hangingPunct="1">
+              <a:lnSpc>
+                <a:spcPct val="90000"/>
+              </a:lnSpc>
+              <a:spcBef>
+                <a:spcPts val="500"/>
+              </a:spcBef>
+              <a:buFont typeface="Arial" panose="020B0604020202020204" pitchFamily="34" charset="0"/>
+              <a:buNone/>
+              <a:defRPr sz="1600" b="1" kern="1200">
+                <a:solidFill>
+                  <a:schemeClr val="tx1"/>
+                </a:solidFill>
+                <a:latin typeface="+mn-lt"/>
+                <a:ea typeface="+mn-ea"/>
+                <a:cs typeface="+mn-cs"/>
+              </a:defRPr>
+            </a:lvl6pPr>
+            <a:lvl7pPr marL="2743200" indent="0" algn="l" defTabSz="914400" rtl="0" eaLnBrk="1" latinLnBrk="0" hangingPunct="1">
+              <a:lnSpc>
+                <a:spcPct val="90000"/>
+              </a:lnSpc>
+              <a:spcBef>
+                <a:spcPts val="500"/>
+              </a:spcBef>
+              <a:buFont typeface="Arial" panose="020B0604020202020204" pitchFamily="34" charset="0"/>
+              <a:buNone/>
+              <a:defRPr sz="1600" b="1" kern="1200">
+                <a:solidFill>
+                  <a:schemeClr val="tx1"/>
+                </a:solidFill>
+                <a:latin typeface="+mn-lt"/>
+                <a:ea typeface="+mn-ea"/>
+                <a:cs typeface="+mn-cs"/>
+              </a:defRPr>
+            </a:lvl7pPr>
+            <a:lvl8pPr marL="3200400" indent="0" algn="l" defTabSz="914400" rtl="0" eaLnBrk="1" latinLnBrk="0" hangingPunct="1">
+              <a:lnSpc>
+                <a:spcPct val="90000"/>
+              </a:lnSpc>
+              <a:spcBef>
+                <a:spcPts val="500"/>
+              </a:spcBef>
+              <a:buFont typeface="Arial" panose="020B0604020202020204" pitchFamily="34" charset="0"/>
+              <a:buNone/>
+              <a:defRPr sz="1600" b="1" kern="1200">
+                <a:solidFill>
+                  <a:schemeClr val="tx1"/>
+                </a:solidFill>
+                <a:latin typeface="+mn-lt"/>
+                <a:ea typeface="+mn-ea"/>
+                <a:cs typeface="+mn-cs"/>
+              </a:defRPr>
+            </a:lvl8pPr>
+            <a:lvl9pPr marL="3657600" indent="0" algn="l" defTabSz="914400" rtl="0" eaLnBrk="1" latinLnBrk="0" hangingPunct="1">
+              <a:lnSpc>
+                <a:spcPct val="90000"/>
+              </a:lnSpc>
+              <a:spcBef>
+                <a:spcPts val="500"/>
+              </a:spcBef>
+              <a:buFont typeface="Arial" panose="020B0604020202020204" pitchFamily="34" charset="0"/>
+              <a:buNone/>
+              <a:defRPr sz="1600" b="1" kern="1200">
+                <a:solidFill>
+                  <a:schemeClr val="tx1"/>
+                </a:solidFill>
+                <a:latin typeface="+mn-lt"/>
+                <a:ea typeface="+mn-ea"/>
+                <a:cs typeface="+mn-cs"/>
+              </a:defRPr>
+            </a:lvl9pPr>
+          </a:lstStyle>
+          <a:p>
+            <a:pPr marL="342900" indent="-342900">
+              <a:buFont typeface="Arial" panose="020B0604020202020204" pitchFamily="34" charset="0"/>
+              <a:buChar char="•"/>
+            </a:pPr>
+            <a:r>
+              <a:rPr lang="en-US" b="0" dirty="0"/>
+              <a:t>Conflicts and precipitation over time appear to be slightly correlated. </a:t>
+            </a:r>
+          </a:p>
+          <a:p>
+            <a:pPr marL="342900" indent="-342900">
+              <a:buFont typeface="Arial" panose="020B0604020202020204" pitchFamily="34" charset="0"/>
+              <a:buChar char="•"/>
+            </a:pPr>
+            <a:r>
+              <a:rPr lang="en-US" b="0" dirty="0"/>
+              <a:t>The calculated </a:t>
+            </a:r>
+            <a:r>
+              <a:rPr lang="en-US" b="0" dirty="0" err="1"/>
+              <a:t>r-value</a:t>
+            </a:r>
+            <a:r>
+              <a:rPr lang="en-US" b="0" dirty="0"/>
+              <a:t> is 0.03, indicating almost no correlation.</a:t>
+            </a:r>
+          </a:p>
+        </p:txBody>
+      </p:sp>
+      <p:pic>
+        <p:nvPicPr>
+          <p:cNvPr id="12" name="Picture 11">
+            <a:extLst>
+              <a:ext uri="{FF2B5EF4-FFF2-40B4-BE49-F238E27FC236}">
+                <a16:creationId xmlns:a16="http://schemas.microsoft.com/office/drawing/2014/main" id="{DF9B91DA-24E2-5A2A-6098-21DF4BB3092D}"/>
+              </a:ext>
+            </a:extLst>
+          </p:cNvPr>
+          <p:cNvPicPr>
+            <a:picLocks noChangeAspect="1"/>
+          </p:cNvPicPr>
+          <p:nvPr/>
+        </p:nvPicPr>
+        <p:blipFill rotWithShape="1">
+          <a:blip r:embed="rId2"/>
+          <a:srcRect l="5149" t="5618" r="7487"/>
+          <a:stretch/>
+        </p:blipFill>
+        <p:spPr>
+          <a:xfrm>
+            <a:off x="7937825" y="2210606"/>
+            <a:ext cx="4254175" cy="3451684"/>
+          </a:xfrm>
+          <a:prstGeom prst="rect">
+            <a:avLst/>
+          </a:prstGeom>
+        </p:spPr>
+      </p:pic>
+      <p:pic>
+        <p:nvPicPr>
+          <p:cNvPr id="8" name="Picture 7">
+            <a:extLst>
+              <a:ext uri="{FF2B5EF4-FFF2-40B4-BE49-F238E27FC236}">
+                <a16:creationId xmlns:a16="http://schemas.microsoft.com/office/drawing/2014/main" id="{29CCE42A-5C1D-169C-0220-12E324EDB29D}"/>
+              </a:ext>
+            </a:extLst>
+          </p:cNvPr>
+          <p:cNvPicPr>
+            <a:picLocks noChangeAspect="1"/>
+          </p:cNvPicPr>
+          <p:nvPr/>
+        </p:nvPicPr>
+        <p:blipFill>
+          <a:blip r:embed="rId3"/>
+          <a:stretch>
+            <a:fillRect/>
+          </a:stretch>
+        </p:blipFill>
+        <p:spPr>
+          <a:xfrm>
+            <a:off x="71156" y="2154618"/>
+            <a:ext cx="7830269" cy="4703381"/>
+          </a:xfrm>
+          <a:prstGeom prst="rect">
+            <a:avLst/>
+          </a:prstGeom>
+        </p:spPr>
+      </p:pic>
+    </p:spTree>
+    <p:extLst>
+      <p:ext uri="{BB962C8B-B14F-4D97-AF65-F5344CB8AC3E}">
+        <p14:creationId xmlns:p14="http://schemas.microsoft.com/office/powerpoint/2010/main" val="1451928374"/>
+      </p:ext>
+    </p:extLst>
+  </p:cSld>
+  <p:clrMapOvr>
+    <a:masterClrMapping/>
+  </p:clrMapOvr>
+</p:sld>
+</file>
+
+<file path=ppt/slides/slide17.xml><?xml version="1.0" encoding="utf-8"?>
+<p:sld xmlns:a="http://schemas.openxmlformats.org/drawingml/2006/main" xmlns:r="http://schemas.openxmlformats.org/officeDocument/2006/relationships" xmlns:p="http://schemas.openxmlformats.org/presentationml/2006/main">
+  <p:cSld>
+    <p:spTree>
+      <p:nvGrpSpPr>
+        <p:cNvPr id="1" name=""/>
+        <p:cNvGrpSpPr/>
+        <p:nvPr/>
+      </p:nvGrpSpPr>
+      <p:grpSpPr>
+        <a:xfrm>
+          <a:off x="0" y="0"/>
+          <a:ext cx="0" cy="0"/>
+          <a:chOff x="0" y="0"/>
+          <a:chExt cx="0" cy="0"/>
+        </a:xfrm>
+      </p:grpSpPr>
+      <p:sp>
+        <p:nvSpPr>
+          <p:cNvPr id="2" name="Title 1">
+            <a:extLst>
+              <a:ext uri="{FF2B5EF4-FFF2-40B4-BE49-F238E27FC236}">
+                <a16:creationId xmlns:a16="http://schemas.microsoft.com/office/drawing/2014/main" id="{D8542B15-EF49-F99F-D7B8-DFB474E83641}"/>
+              </a:ext>
+            </a:extLst>
+          </p:cNvPr>
+          <p:cNvSpPr>
+            <a:spLocks noGrp="1"/>
+          </p:cNvSpPr>
+          <p:nvPr>
+            <p:ph type="title"/>
+          </p:nvPr>
+        </p:nvSpPr>
+        <p:spPr>
+          <a:xfrm>
+            <a:off x="335291" y="165429"/>
+            <a:ext cx="11646502" cy="833054"/>
+          </a:xfrm>
+        </p:spPr>
+        <p:txBody>
+          <a:bodyPr/>
+          <a:lstStyle/>
+          <a:p>
+            <a:r>
+              <a:rPr lang="en-US" dirty="0"/>
+              <a:t>Topic 4: Average Freshwater Analysis</a:t>
+            </a:r>
+          </a:p>
+        </p:txBody>
+      </p:sp>
+      <p:sp>
+        <p:nvSpPr>
+          <p:cNvPr id="22" name="Content Placeholder 4">
+            <a:extLst>
+              <a:ext uri="{FF2B5EF4-FFF2-40B4-BE49-F238E27FC236}">
+                <a16:creationId xmlns:a16="http://schemas.microsoft.com/office/drawing/2014/main" id="{B7046D23-3C73-0582-EE75-77D294CA38BF}"/>
+              </a:ext>
+            </a:extLst>
+          </p:cNvPr>
+          <p:cNvSpPr txBox="1">
+            <a:spLocks/>
+          </p:cNvSpPr>
+          <p:nvPr/>
+        </p:nvSpPr>
+        <p:spPr>
+          <a:xfrm>
+            <a:off x="335291" y="998483"/>
+            <a:ext cx="11646502" cy="1156138"/>
+          </a:xfrm>
+          <a:prstGeom prst="rect">
+            <a:avLst/>
+          </a:prstGeom>
+        </p:spPr>
+        <p:txBody>
+          <a:bodyPr vert="horz" lIns="91440" tIns="45720" rIns="91440" bIns="45720" rtlCol="0" anchor="t">
+            <a:normAutofit/>
+          </a:bodyPr>
+          <a:lstStyle>
+            <a:lvl1pPr marL="0" indent="0" algn="l" defTabSz="914400" rtl="0" eaLnBrk="1" latinLnBrk="0" hangingPunct="1">
+              <a:lnSpc>
+                <a:spcPct val="90000"/>
+              </a:lnSpc>
+              <a:spcBef>
+                <a:spcPts val="1000"/>
+              </a:spcBef>
+              <a:buFont typeface="Arial" panose="020B0604020202020204" pitchFamily="34" charset="0"/>
+              <a:buNone/>
+              <a:defRPr sz="2400" b="1" kern="1200">
+                <a:solidFill>
+                  <a:schemeClr val="tx1"/>
+                </a:solidFill>
+                <a:latin typeface="+mn-lt"/>
+                <a:ea typeface="+mn-ea"/>
+                <a:cs typeface="+mn-cs"/>
+              </a:defRPr>
+            </a:lvl1pPr>
+            <a:lvl2pPr marL="457200" indent="0" algn="l" defTabSz="914400" rtl="0" eaLnBrk="1" latinLnBrk="0" hangingPunct="1">
+              <a:lnSpc>
+                <a:spcPct val="90000"/>
+              </a:lnSpc>
+              <a:spcBef>
+                <a:spcPts val="500"/>
+              </a:spcBef>
+              <a:buFont typeface="Arial" panose="020B0604020202020204" pitchFamily="34" charset="0"/>
+              <a:buNone/>
+              <a:defRPr sz="2000" b="1" kern="1200">
+                <a:solidFill>
+                  <a:schemeClr val="tx1"/>
+                </a:solidFill>
+                <a:latin typeface="+mn-lt"/>
+                <a:ea typeface="+mn-ea"/>
+                <a:cs typeface="+mn-cs"/>
+              </a:defRPr>
+            </a:lvl2pPr>
+            <a:lvl3pPr marL="914400" indent="0" algn="l" defTabSz="914400" rtl="0" eaLnBrk="1" latinLnBrk="0" hangingPunct="1">
+              <a:lnSpc>
+                <a:spcPct val="90000"/>
+              </a:lnSpc>
+              <a:spcBef>
+                <a:spcPts val="500"/>
+              </a:spcBef>
+              <a:buFont typeface="Arial" panose="020B0604020202020204" pitchFamily="34" charset="0"/>
+              <a:buNone/>
+              <a:defRPr sz="1800" b="1" kern="1200">
+                <a:solidFill>
+                  <a:schemeClr val="tx1"/>
+                </a:solidFill>
+                <a:latin typeface="+mn-lt"/>
+                <a:ea typeface="+mn-ea"/>
+                <a:cs typeface="+mn-cs"/>
+              </a:defRPr>
+            </a:lvl3pPr>
+            <a:lvl4pPr marL="1371600" indent="0" algn="l" defTabSz="914400" rtl="0" eaLnBrk="1" latinLnBrk="0" hangingPunct="1">
+              <a:lnSpc>
+                <a:spcPct val="90000"/>
+              </a:lnSpc>
+              <a:spcBef>
+                <a:spcPts val="500"/>
+              </a:spcBef>
+              <a:buFont typeface="Arial" panose="020B0604020202020204" pitchFamily="34" charset="0"/>
+              <a:buNone/>
+              <a:defRPr sz="1600" b="1" kern="1200">
+                <a:solidFill>
+                  <a:schemeClr val="tx1"/>
+                </a:solidFill>
+                <a:latin typeface="+mn-lt"/>
+                <a:ea typeface="+mn-ea"/>
+                <a:cs typeface="+mn-cs"/>
+              </a:defRPr>
+            </a:lvl4pPr>
+            <a:lvl5pPr marL="1828800" indent="0" algn="l" defTabSz="914400" rtl="0" eaLnBrk="1" latinLnBrk="0" hangingPunct="1">
+              <a:lnSpc>
+                <a:spcPct val="90000"/>
+              </a:lnSpc>
+              <a:spcBef>
+                <a:spcPts val="500"/>
+              </a:spcBef>
+              <a:buFont typeface="Arial" panose="020B0604020202020204" pitchFamily="34" charset="0"/>
+              <a:buNone/>
+              <a:defRPr sz="1600" b="1" kern="1200">
+                <a:solidFill>
+                  <a:schemeClr val="tx1"/>
+                </a:solidFill>
+                <a:latin typeface="+mn-lt"/>
+                <a:ea typeface="+mn-ea"/>
+                <a:cs typeface="+mn-cs"/>
+              </a:defRPr>
+            </a:lvl5pPr>
+            <a:lvl6pPr marL="2286000" indent="0" algn="l" defTabSz="914400" rtl="0" eaLnBrk="1" latinLnBrk="0" hangingPunct="1">
+              <a:lnSpc>
+                <a:spcPct val="90000"/>
+              </a:lnSpc>
+              <a:spcBef>
+                <a:spcPts val="500"/>
+              </a:spcBef>
+              <a:buFont typeface="Arial" panose="020B0604020202020204" pitchFamily="34" charset="0"/>
+              <a:buNone/>
+              <a:defRPr sz="1600" b="1" kern="1200">
+                <a:solidFill>
+                  <a:schemeClr val="tx1"/>
+                </a:solidFill>
+                <a:latin typeface="+mn-lt"/>
+                <a:ea typeface="+mn-ea"/>
+                <a:cs typeface="+mn-cs"/>
+              </a:defRPr>
+            </a:lvl6pPr>
+            <a:lvl7pPr marL="2743200" indent="0" algn="l" defTabSz="914400" rtl="0" eaLnBrk="1" latinLnBrk="0" hangingPunct="1">
+              <a:lnSpc>
+                <a:spcPct val="90000"/>
+              </a:lnSpc>
+              <a:spcBef>
+                <a:spcPts val="500"/>
+              </a:spcBef>
+              <a:buFont typeface="Arial" panose="020B0604020202020204" pitchFamily="34" charset="0"/>
+              <a:buNone/>
+              <a:defRPr sz="1600" b="1" kern="1200">
+                <a:solidFill>
+                  <a:schemeClr val="tx1"/>
+                </a:solidFill>
+                <a:latin typeface="+mn-lt"/>
+                <a:ea typeface="+mn-ea"/>
+                <a:cs typeface="+mn-cs"/>
+              </a:defRPr>
+            </a:lvl7pPr>
+            <a:lvl8pPr marL="3200400" indent="0" algn="l" defTabSz="914400" rtl="0" eaLnBrk="1" latinLnBrk="0" hangingPunct="1">
+              <a:lnSpc>
+                <a:spcPct val="90000"/>
+              </a:lnSpc>
+              <a:spcBef>
+                <a:spcPts val="500"/>
+              </a:spcBef>
+              <a:buFont typeface="Arial" panose="020B0604020202020204" pitchFamily="34" charset="0"/>
+              <a:buNone/>
+              <a:defRPr sz="1600" b="1" kern="1200">
+                <a:solidFill>
+                  <a:schemeClr val="tx1"/>
+                </a:solidFill>
+                <a:latin typeface="+mn-lt"/>
+                <a:ea typeface="+mn-ea"/>
+                <a:cs typeface="+mn-cs"/>
+              </a:defRPr>
+            </a:lvl8pPr>
+            <a:lvl9pPr marL="3657600" indent="0" algn="l" defTabSz="914400" rtl="0" eaLnBrk="1" latinLnBrk="0" hangingPunct="1">
+              <a:lnSpc>
+                <a:spcPct val="90000"/>
+              </a:lnSpc>
+              <a:spcBef>
+                <a:spcPts val="500"/>
+              </a:spcBef>
+              <a:buFont typeface="Arial" panose="020B0604020202020204" pitchFamily="34" charset="0"/>
+              <a:buNone/>
+              <a:defRPr sz="1600" b="1" kern="1200">
+                <a:solidFill>
+                  <a:schemeClr val="tx1"/>
+                </a:solidFill>
+                <a:latin typeface="+mn-lt"/>
+                <a:ea typeface="+mn-ea"/>
+                <a:cs typeface="+mn-cs"/>
+              </a:defRPr>
+            </a:lvl9pPr>
+          </a:lstStyle>
+          <a:p>
+            <a:pPr marL="342900" indent="-342900">
+              <a:buFont typeface="Arial" panose="020B0604020202020204" pitchFamily="34" charset="0"/>
+              <a:buChar char="•"/>
+            </a:pPr>
+            <a:r>
+              <a:rPr lang="en-US" b="0" dirty="0"/>
+              <a:t>Conflicts and Freshwater over time appear to be slightly correlated. </a:t>
+            </a:r>
+          </a:p>
+          <a:p>
+            <a:pPr marL="342900" indent="-342900">
+              <a:buFont typeface="Arial" panose="020B0604020202020204" pitchFamily="34" charset="0"/>
+              <a:buChar char="•"/>
+            </a:pPr>
+            <a:r>
+              <a:rPr lang="en-US" b="0" dirty="0"/>
+              <a:t>The calculated </a:t>
+            </a:r>
+            <a:r>
+              <a:rPr lang="en-US" b="0" dirty="0" err="1"/>
+              <a:t>r-value</a:t>
+            </a:r>
+            <a:r>
+              <a:rPr lang="en-US" b="0" dirty="0"/>
+              <a:t> is 0.16, indicating a very weak positive correlation.</a:t>
+            </a:r>
+          </a:p>
+        </p:txBody>
+      </p:sp>
+      <p:pic>
+        <p:nvPicPr>
+          <p:cNvPr id="14" name="Picture 13">
+            <a:extLst>
+              <a:ext uri="{FF2B5EF4-FFF2-40B4-BE49-F238E27FC236}">
+                <a16:creationId xmlns:a16="http://schemas.microsoft.com/office/drawing/2014/main" id="{AA3AAFE6-96F0-ED61-B1BA-DB3257DF9109}"/>
+              </a:ext>
+            </a:extLst>
+          </p:cNvPr>
+          <p:cNvPicPr>
+            <a:picLocks noChangeAspect="1"/>
+          </p:cNvPicPr>
+          <p:nvPr/>
+        </p:nvPicPr>
+        <p:blipFill rotWithShape="1">
+          <a:blip r:embed="rId2"/>
+          <a:srcRect l="3554" t="5529" r="7327"/>
+          <a:stretch/>
+        </p:blipFill>
+        <p:spPr>
+          <a:xfrm>
+            <a:off x="7877465" y="2199020"/>
+            <a:ext cx="4295873" cy="3420152"/>
+          </a:xfrm>
+          <a:prstGeom prst="rect">
+            <a:avLst/>
+          </a:prstGeom>
+        </p:spPr>
+      </p:pic>
+      <p:pic>
+        <p:nvPicPr>
+          <p:cNvPr id="7" name="Picture 6">
+            <a:extLst>
+              <a:ext uri="{FF2B5EF4-FFF2-40B4-BE49-F238E27FC236}">
+                <a16:creationId xmlns:a16="http://schemas.microsoft.com/office/drawing/2014/main" id="{8E6C9552-B68B-20F8-47AD-6CCCD5604684}"/>
+              </a:ext>
+            </a:extLst>
+          </p:cNvPr>
+          <p:cNvPicPr>
+            <a:picLocks noChangeAspect="1"/>
+          </p:cNvPicPr>
+          <p:nvPr/>
+        </p:nvPicPr>
+        <p:blipFill>
+          <a:blip r:embed="rId3"/>
+          <a:stretch>
+            <a:fillRect/>
+          </a:stretch>
+        </p:blipFill>
+        <p:spPr>
+          <a:xfrm>
+            <a:off x="71156" y="2148389"/>
+            <a:ext cx="7840639" cy="4709610"/>
+          </a:xfrm>
+          <a:prstGeom prst="rect">
+            <a:avLst/>
+          </a:prstGeom>
+        </p:spPr>
+      </p:pic>
+    </p:spTree>
+    <p:extLst>
+      <p:ext uri="{BB962C8B-B14F-4D97-AF65-F5344CB8AC3E}">
+        <p14:creationId xmlns:p14="http://schemas.microsoft.com/office/powerpoint/2010/main" val="929572182"/>
+      </p:ext>
+    </p:extLst>
+  </p:cSld>
+  <p:clrMapOvr>
+    <a:masterClrMapping/>
+  </p:clrMapOvr>
+</p:sld>
+</file>
+
+<file path=ppt/slides/slide18.xml><?xml version="1.0" encoding="utf-8"?>
+<p:sld xmlns:a="http://schemas.openxmlformats.org/drawingml/2006/main" xmlns:r="http://schemas.openxmlformats.org/officeDocument/2006/relationships" xmlns:p="http://schemas.openxmlformats.org/presentationml/2006/main">
+  <p:cSld>
+    <p:spTree>
+      <p:nvGrpSpPr>
+        <p:cNvPr id="1" name=""/>
+        <p:cNvGrpSpPr/>
+        <p:nvPr/>
+      </p:nvGrpSpPr>
+      <p:grpSpPr>
+        <a:xfrm>
+          <a:off x="0" y="0"/>
+          <a:ext cx="0" cy="0"/>
+          <a:chOff x="0" y="0"/>
+          <a:chExt cx="0" cy="0"/>
+        </a:xfrm>
+      </p:grpSpPr>
+      <p:sp>
+        <p:nvSpPr>
+          <p:cNvPr id="2" name="Title 1">
+            <a:extLst>
+              <a:ext uri="{FF2B5EF4-FFF2-40B4-BE49-F238E27FC236}">
+                <a16:creationId xmlns:a16="http://schemas.microsoft.com/office/drawing/2014/main" id="{D8542B15-EF49-F99F-D7B8-DFB474E83641}"/>
+              </a:ext>
+            </a:extLst>
+          </p:cNvPr>
+          <p:cNvSpPr>
+            <a:spLocks noGrp="1"/>
+          </p:cNvSpPr>
+          <p:nvPr>
+            <p:ph type="title"/>
+          </p:nvPr>
+        </p:nvSpPr>
+        <p:spPr>
+          <a:xfrm>
+            <a:off x="335291" y="165429"/>
+            <a:ext cx="11646502" cy="833054"/>
+          </a:xfrm>
+        </p:spPr>
+        <p:txBody>
+          <a:bodyPr/>
+          <a:lstStyle/>
+          <a:p>
+            <a:r>
+              <a:rPr lang="en-US" dirty="0"/>
+              <a:t>Topic 4: Average Surface </a:t>
+            </a:r>
+            <a:r>
+              <a:rPr lang="en-US"/>
+              <a:t>Temperature Analysis</a:t>
+            </a:r>
+            <a:endParaRPr lang="en-US" dirty="0"/>
+          </a:p>
+        </p:txBody>
+      </p:sp>
+      <p:sp>
+        <p:nvSpPr>
+          <p:cNvPr id="22" name="Content Placeholder 4">
+            <a:extLst>
+              <a:ext uri="{FF2B5EF4-FFF2-40B4-BE49-F238E27FC236}">
+                <a16:creationId xmlns:a16="http://schemas.microsoft.com/office/drawing/2014/main" id="{B7046D23-3C73-0582-EE75-77D294CA38BF}"/>
+              </a:ext>
+            </a:extLst>
+          </p:cNvPr>
+          <p:cNvSpPr txBox="1">
+            <a:spLocks/>
+          </p:cNvSpPr>
+          <p:nvPr/>
+        </p:nvSpPr>
+        <p:spPr>
+          <a:xfrm>
+            <a:off x="335291" y="998483"/>
+            <a:ext cx="11646502" cy="1156138"/>
+          </a:xfrm>
+          <a:prstGeom prst="rect">
+            <a:avLst/>
+          </a:prstGeom>
+        </p:spPr>
+        <p:txBody>
+          <a:bodyPr vert="horz" lIns="91440" tIns="45720" rIns="91440" bIns="45720" rtlCol="0" anchor="t">
+            <a:normAutofit/>
+          </a:bodyPr>
+          <a:lstStyle>
+            <a:lvl1pPr marL="0" indent="0" algn="l" defTabSz="914400" rtl="0" eaLnBrk="1" latinLnBrk="0" hangingPunct="1">
+              <a:lnSpc>
+                <a:spcPct val="90000"/>
+              </a:lnSpc>
+              <a:spcBef>
+                <a:spcPts val="1000"/>
+              </a:spcBef>
+              <a:buFont typeface="Arial" panose="020B0604020202020204" pitchFamily="34" charset="0"/>
+              <a:buNone/>
+              <a:defRPr sz="2400" b="1" kern="1200">
+                <a:solidFill>
+                  <a:schemeClr val="tx1"/>
+                </a:solidFill>
+                <a:latin typeface="+mn-lt"/>
+                <a:ea typeface="+mn-ea"/>
+                <a:cs typeface="+mn-cs"/>
+              </a:defRPr>
+            </a:lvl1pPr>
+            <a:lvl2pPr marL="457200" indent="0" algn="l" defTabSz="914400" rtl="0" eaLnBrk="1" latinLnBrk="0" hangingPunct="1">
+              <a:lnSpc>
+                <a:spcPct val="90000"/>
+              </a:lnSpc>
+              <a:spcBef>
+                <a:spcPts val="500"/>
+              </a:spcBef>
+              <a:buFont typeface="Arial" panose="020B0604020202020204" pitchFamily="34" charset="0"/>
+              <a:buNone/>
+              <a:defRPr sz="2000" b="1" kern="1200">
+                <a:solidFill>
+                  <a:schemeClr val="tx1"/>
+                </a:solidFill>
+                <a:latin typeface="+mn-lt"/>
+                <a:ea typeface="+mn-ea"/>
+                <a:cs typeface="+mn-cs"/>
+              </a:defRPr>
+            </a:lvl2pPr>
+            <a:lvl3pPr marL="914400" indent="0" algn="l" defTabSz="914400" rtl="0" eaLnBrk="1" latinLnBrk="0" hangingPunct="1">
+              <a:lnSpc>
+                <a:spcPct val="90000"/>
+              </a:lnSpc>
+              <a:spcBef>
+                <a:spcPts val="500"/>
+              </a:spcBef>
+              <a:buFont typeface="Arial" panose="020B0604020202020204" pitchFamily="34" charset="0"/>
+              <a:buNone/>
+              <a:defRPr sz="1800" b="1" kern="1200">
+                <a:solidFill>
+                  <a:schemeClr val="tx1"/>
+                </a:solidFill>
+                <a:latin typeface="+mn-lt"/>
+                <a:ea typeface="+mn-ea"/>
+                <a:cs typeface="+mn-cs"/>
+              </a:defRPr>
+            </a:lvl3pPr>
+            <a:lvl4pPr marL="1371600" indent="0" algn="l" defTabSz="914400" rtl="0" eaLnBrk="1" latinLnBrk="0" hangingPunct="1">
+              <a:lnSpc>
+                <a:spcPct val="90000"/>
+              </a:lnSpc>
+              <a:spcBef>
+                <a:spcPts val="500"/>
+              </a:spcBef>
+              <a:buFont typeface="Arial" panose="020B0604020202020204" pitchFamily="34" charset="0"/>
+              <a:buNone/>
+              <a:defRPr sz="1600" b="1" kern="1200">
+                <a:solidFill>
+                  <a:schemeClr val="tx1"/>
+                </a:solidFill>
+                <a:latin typeface="+mn-lt"/>
+                <a:ea typeface="+mn-ea"/>
+                <a:cs typeface="+mn-cs"/>
+              </a:defRPr>
+            </a:lvl4pPr>
+            <a:lvl5pPr marL="1828800" indent="0" algn="l" defTabSz="914400" rtl="0" eaLnBrk="1" latinLnBrk="0" hangingPunct="1">
+              <a:lnSpc>
+                <a:spcPct val="90000"/>
+              </a:lnSpc>
+              <a:spcBef>
+                <a:spcPts val="500"/>
+              </a:spcBef>
+              <a:buFont typeface="Arial" panose="020B0604020202020204" pitchFamily="34" charset="0"/>
+              <a:buNone/>
+              <a:defRPr sz="1600" b="1" kern="1200">
+                <a:solidFill>
+                  <a:schemeClr val="tx1"/>
+                </a:solidFill>
+                <a:latin typeface="+mn-lt"/>
+                <a:ea typeface="+mn-ea"/>
+                <a:cs typeface="+mn-cs"/>
+              </a:defRPr>
+            </a:lvl5pPr>
+            <a:lvl6pPr marL="2286000" indent="0" algn="l" defTabSz="914400" rtl="0" eaLnBrk="1" latinLnBrk="0" hangingPunct="1">
+              <a:lnSpc>
+                <a:spcPct val="90000"/>
+              </a:lnSpc>
+              <a:spcBef>
+                <a:spcPts val="500"/>
+              </a:spcBef>
+              <a:buFont typeface="Arial" panose="020B0604020202020204" pitchFamily="34" charset="0"/>
+              <a:buNone/>
+              <a:defRPr sz="1600" b="1" kern="1200">
+                <a:solidFill>
+                  <a:schemeClr val="tx1"/>
+                </a:solidFill>
+                <a:latin typeface="+mn-lt"/>
+                <a:ea typeface="+mn-ea"/>
+                <a:cs typeface="+mn-cs"/>
+              </a:defRPr>
+            </a:lvl6pPr>
+            <a:lvl7pPr marL="2743200" indent="0" algn="l" defTabSz="914400" rtl="0" eaLnBrk="1" latinLnBrk="0" hangingPunct="1">
+              <a:lnSpc>
+                <a:spcPct val="90000"/>
+              </a:lnSpc>
+              <a:spcBef>
+                <a:spcPts val="500"/>
+              </a:spcBef>
+              <a:buFont typeface="Arial" panose="020B0604020202020204" pitchFamily="34" charset="0"/>
+              <a:buNone/>
+              <a:defRPr sz="1600" b="1" kern="1200">
+                <a:solidFill>
+                  <a:schemeClr val="tx1"/>
+                </a:solidFill>
+                <a:latin typeface="+mn-lt"/>
+                <a:ea typeface="+mn-ea"/>
+                <a:cs typeface="+mn-cs"/>
+              </a:defRPr>
+            </a:lvl7pPr>
+            <a:lvl8pPr marL="3200400" indent="0" algn="l" defTabSz="914400" rtl="0" eaLnBrk="1" latinLnBrk="0" hangingPunct="1">
+              <a:lnSpc>
+                <a:spcPct val="90000"/>
+              </a:lnSpc>
+              <a:spcBef>
+                <a:spcPts val="500"/>
+              </a:spcBef>
+              <a:buFont typeface="Arial" panose="020B0604020202020204" pitchFamily="34" charset="0"/>
+              <a:buNone/>
+              <a:defRPr sz="1600" b="1" kern="1200">
+                <a:solidFill>
+                  <a:schemeClr val="tx1"/>
+                </a:solidFill>
+                <a:latin typeface="+mn-lt"/>
+                <a:ea typeface="+mn-ea"/>
+                <a:cs typeface="+mn-cs"/>
+              </a:defRPr>
+            </a:lvl8pPr>
+            <a:lvl9pPr marL="3657600" indent="0" algn="l" defTabSz="914400" rtl="0" eaLnBrk="1" latinLnBrk="0" hangingPunct="1">
+              <a:lnSpc>
+                <a:spcPct val="90000"/>
+              </a:lnSpc>
+              <a:spcBef>
+                <a:spcPts val="500"/>
+              </a:spcBef>
+              <a:buFont typeface="Arial" panose="020B0604020202020204" pitchFamily="34" charset="0"/>
+              <a:buNone/>
+              <a:defRPr sz="1600" b="1" kern="1200">
+                <a:solidFill>
+                  <a:schemeClr val="tx1"/>
+                </a:solidFill>
+                <a:latin typeface="+mn-lt"/>
+                <a:ea typeface="+mn-ea"/>
+                <a:cs typeface="+mn-cs"/>
+              </a:defRPr>
+            </a:lvl9pPr>
+          </a:lstStyle>
+          <a:p>
+            <a:pPr marL="342900" indent="-342900">
+              <a:buFont typeface="Arial" panose="020B0604020202020204" pitchFamily="34" charset="0"/>
+              <a:buChar char="•"/>
+            </a:pPr>
+            <a:r>
+              <a:rPr lang="en-US" b="0" dirty="0"/>
+              <a:t>Conflicts and surface temperature over time appear to be slightly correlated. </a:t>
+            </a:r>
+          </a:p>
+          <a:p>
+            <a:pPr marL="342900" indent="-342900">
+              <a:buFont typeface="Arial" panose="020B0604020202020204" pitchFamily="34" charset="0"/>
+              <a:buChar char="•"/>
+            </a:pPr>
+            <a:r>
+              <a:rPr lang="en-US" b="0" dirty="0"/>
+              <a:t>The calculated </a:t>
+            </a:r>
+            <a:r>
+              <a:rPr lang="en-US" b="0" dirty="0" err="1"/>
+              <a:t>r-value</a:t>
+            </a:r>
+            <a:r>
+              <a:rPr lang="en-US" b="0" dirty="0"/>
+              <a:t> is 0.04, indicating almost no correlation.</a:t>
+            </a:r>
+          </a:p>
+        </p:txBody>
+      </p:sp>
+      <p:pic>
+        <p:nvPicPr>
+          <p:cNvPr id="15" name="Picture 14">
+            <a:extLst>
+              <a:ext uri="{FF2B5EF4-FFF2-40B4-BE49-F238E27FC236}">
+                <a16:creationId xmlns:a16="http://schemas.microsoft.com/office/drawing/2014/main" id="{96405A70-6F25-FF3D-A705-1AEC3540FD2C}"/>
+              </a:ext>
+            </a:extLst>
+          </p:cNvPr>
+          <p:cNvPicPr>
+            <a:picLocks noChangeAspect="1"/>
+          </p:cNvPicPr>
+          <p:nvPr/>
+        </p:nvPicPr>
+        <p:blipFill rotWithShape="1">
+          <a:blip r:embed="rId2"/>
+          <a:srcRect l="7540" t="5529" r="7168"/>
+          <a:stretch/>
+        </p:blipFill>
+        <p:spPr>
+          <a:xfrm>
+            <a:off x="8038919" y="2151506"/>
+            <a:ext cx="4153081" cy="3454797"/>
+          </a:xfrm>
+          <a:prstGeom prst="rect">
+            <a:avLst/>
+          </a:prstGeom>
+        </p:spPr>
+      </p:pic>
+      <p:pic>
+        <p:nvPicPr>
+          <p:cNvPr id="7" name="Picture 6">
+            <a:extLst>
+              <a:ext uri="{FF2B5EF4-FFF2-40B4-BE49-F238E27FC236}">
+                <a16:creationId xmlns:a16="http://schemas.microsoft.com/office/drawing/2014/main" id="{40FF78CD-91CF-D41D-1821-88AE6AA10DEB}"/>
+              </a:ext>
+            </a:extLst>
+          </p:cNvPr>
+          <p:cNvPicPr>
+            <a:picLocks noChangeAspect="1"/>
+          </p:cNvPicPr>
+          <p:nvPr/>
+        </p:nvPicPr>
+        <p:blipFill>
+          <a:blip r:embed="rId3"/>
+          <a:stretch>
+            <a:fillRect/>
+          </a:stretch>
+        </p:blipFill>
+        <p:spPr>
+          <a:xfrm>
+            <a:off x="63889" y="2146276"/>
+            <a:ext cx="7844156" cy="4711723"/>
+          </a:xfrm>
+          <a:prstGeom prst="rect">
+            <a:avLst/>
+          </a:prstGeom>
+        </p:spPr>
+      </p:pic>
+    </p:spTree>
+    <p:extLst>
+      <p:ext uri="{BB962C8B-B14F-4D97-AF65-F5344CB8AC3E}">
+        <p14:creationId xmlns:p14="http://schemas.microsoft.com/office/powerpoint/2010/main" val="1817907482"/>
       </p:ext>
     </p:extLst>
   </p:cSld>
@@ -6485,11 +7886,13 @@
         <p:spPr>
           <a:xfrm>
             <a:off x="838200" y="365126"/>
-            <a:ext cx="10515600" cy="788972"/>
+            <a:ext cx="10515600" cy="595927"/>
           </a:xfrm>
         </p:spPr>
         <p:txBody>
-          <a:bodyPr/>
+          <a:bodyPr>
+            <a:normAutofit fontScale="90000"/>
+          </a:bodyPr>
           <a:lstStyle/>
           <a:p>
             <a:r>
@@ -6517,37 +7920,67 @@
         </p:nvSpPr>
         <p:spPr>
           <a:xfrm>
-            <a:off x="838200" y="1154098"/>
-            <a:ext cx="10515600" cy="5450888"/>
+            <a:off x="838200" y="998374"/>
+            <a:ext cx="10515600" cy="5719666"/>
           </a:xfrm>
         </p:spPr>
         <p:txBody>
           <a:bodyPr>
-            <a:normAutofit/>
+            <a:normAutofit fontScale="92500"/>
           </a:bodyPr>
           <a:lstStyle/>
           <a:p>
+            <a:pPr marL="0" indent="0">
+              <a:buNone/>
+            </a:pPr>
             <a:r>
               <a:rPr lang="en-US" dirty="0"/>
               <a:t>Task 1: Data Collection</a:t>
             </a:r>
           </a:p>
           <a:p>
+            <a:pPr marL="0" indent="0">
+              <a:buNone/>
+            </a:pPr>
             <a:r>
               <a:rPr lang="en-US" dirty="0"/>
               <a:t>Task 2: Data Cleanup</a:t>
             </a:r>
           </a:p>
           <a:p>
+            <a:pPr marL="0" indent="0">
+              <a:buNone/>
+            </a:pPr>
             <a:r>
               <a:rPr lang="en-US" dirty="0"/>
               <a:t>Task 3: Data Integration</a:t>
             </a:r>
           </a:p>
           <a:p>
+            <a:pPr marL="0" indent="0">
+              <a:buNone/>
+            </a:pPr>
             <a:r>
               <a:rPr lang="en-US" dirty="0"/>
-              <a:t>Task 4: Analysis &amp; Visualization</a:t>
+              <a:t>Task 4: Analysis</a:t>
+            </a:r>
+          </a:p>
+          <a:p>
+            <a:pPr marL="0" indent="0">
+              <a:buNone/>
+            </a:pPr>
+            <a:r>
+              <a:rPr lang="en-US" dirty="0"/>
+              <a:t>Task 5: Visualization</a:t>
+            </a:r>
+          </a:p>
+          <a:p>
+            <a:pPr marL="0" indent="0">
+              <a:buNone/>
+            </a:pPr>
+            <a:r>
+              <a:rPr lang="en-US" dirty="0"/>
+              <a:t>Topics</a:t>
             </a:r>
           </a:p>
           <a:p>
